--- a/documents/projectmanagement/Praesentationen/Führungsstil.pptx
+++ b/documents/projectmanagement/Praesentationen/Führungsstil.pptx
@@ -203,7 +203,7 @@
           <a:p>
             <a:fld id="{BC5D3495-D642-4B9C-A4D9-ABBA71EA56ED}" type="datetimeFigureOut">
               <a:rPr lang="de-DE" smtClean="0"/>
-              <a:t>29.08.2016</a:t>
+              <a:t>30.08.2016</a:t>
             </a:fld>
             <a:endParaRPr lang="de-DE"/>
           </a:p>
@@ -734,7 +734,7 @@
           <a:p>
             <a:fld id="{939A55D9-6AB2-4364-AE5A-4B2CFFB043C1}" type="datetimeFigureOut">
               <a:rPr lang="de-DE" smtClean="0"/>
-              <a:t>29.08.2016</a:t>
+              <a:t>30.08.2016</a:t>
             </a:fld>
             <a:endParaRPr lang="de-DE"/>
           </a:p>
@@ -902,7 +902,7 @@
           <a:p>
             <a:fld id="{939A55D9-6AB2-4364-AE5A-4B2CFFB043C1}" type="datetimeFigureOut">
               <a:rPr lang="de-DE" smtClean="0"/>
-              <a:t>29.08.2016</a:t>
+              <a:t>30.08.2016</a:t>
             </a:fld>
             <a:endParaRPr lang="de-DE"/>
           </a:p>
@@ -1080,7 +1080,7 @@
           <a:p>
             <a:fld id="{939A55D9-6AB2-4364-AE5A-4B2CFFB043C1}" type="datetimeFigureOut">
               <a:rPr lang="de-DE" smtClean="0"/>
-              <a:t>29.08.2016</a:t>
+              <a:t>30.08.2016</a:t>
             </a:fld>
             <a:endParaRPr lang="de-DE"/>
           </a:p>
@@ -1248,7 +1248,7 @@
           <a:p>
             <a:fld id="{939A55D9-6AB2-4364-AE5A-4B2CFFB043C1}" type="datetimeFigureOut">
               <a:rPr lang="de-DE" smtClean="0"/>
-              <a:t>29.08.2016</a:t>
+              <a:t>30.08.2016</a:t>
             </a:fld>
             <a:endParaRPr lang="de-DE"/>
           </a:p>
@@ -1493,7 +1493,7 @@
           <a:p>
             <a:fld id="{939A55D9-6AB2-4364-AE5A-4B2CFFB043C1}" type="datetimeFigureOut">
               <a:rPr lang="de-DE" smtClean="0"/>
-              <a:t>29.08.2016</a:t>
+              <a:t>30.08.2016</a:t>
             </a:fld>
             <a:endParaRPr lang="de-DE"/>
           </a:p>
@@ -1722,7 +1722,7 @@
           <a:p>
             <a:fld id="{939A55D9-6AB2-4364-AE5A-4B2CFFB043C1}" type="datetimeFigureOut">
               <a:rPr lang="de-DE" smtClean="0"/>
-              <a:t>29.08.2016</a:t>
+              <a:t>30.08.2016</a:t>
             </a:fld>
             <a:endParaRPr lang="de-DE"/>
           </a:p>
@@ -2086,7 +2086,7 @@
           <a:p>
             <a:fld id="{939A55D9-6AB2-4364-AE5A-4B2CFFB043C1}" type="datetimeFigureOut">
               <a:rPr lang="de-DE" smtClean="0"/>
-              <a:t>29.08.2016</a:t>
+              <a:t>30.08.2016</a:t>
             </a:fld>
             <a:endParaRPr lang="de-DE"/>
           </a:p>
@@ -2203,7 +2203,7 @@
           <a:p>
             <a:fld id="{939A55D9-6AB2-4364-AE5A-4B2CFFB043C1}" type="datetimeFigureOut">
               <a:rPr lang="de-DE" smtClean="0"/>
-              <a:t>29.08.2016</a:t>
+              <a:t>30.08.2016</a:t>
             </a:fld>
             <a:endParaRPr lang="de-DE"/>
           </a:p>
@@ -2298,7 +2298,7 @@
           <a:p>
             <a:fld id="{939A55D9-6AB2-4364-AE5A-4B2CFFB043C1}" type="datetimeFigureOut">
               <a:rPr lang="de-DE" smtClean="0"/>
-              <a:t>29.08.2016</a:t>
+              <a:t>30.08.2016</a:t>
             </a:fld>
             <a:endParaRPr lang="de-DE"/>
           </a:p>
@@ -2573,7 +2573,7 @@
           <a:p>
             <a:fld id="{939A55D9-6AB2-4364-AE5A-4B2CFFB043C1}" type="datetimeFigureOut">
               <a:rPr lang="de-DE" smtClean="0"/>
-              <a:t>29.08.2016</a:t>
+              <a:t>30.08.2016</a:t>
             </a:fld>
             <a:endParaRPr lang="de-DE"/>
           </a:p>
@@ -2825,7 +2825,7 @@
           <a:p>
             <a:fld id="{939A55D9-6AB2-4364-AE5A-4B2CFFB043C1}" type="datetimeFigureOut">
               <a:rPr lang="de-DE" smtClean="0"/>
-              <a:t>29.08.2016</a:t>
+              <a:t>30.08.2016</a:t>
             </a:fld>
             <a:endParaRPr lang="de-DE"/>
           </a:p>
@@ -3036,7 +3036,7 @@
           <a:p>
             <a:fld id="{939A55D9-6AB2-4364-AE5A-4B2CFFB043C1}" type="datetimeFigureOut">
               <a:rPr lang="de-DE" smtClean="0"/>
-              <a:t>29.08.2016</a:t>
+              <a:t>30.08.2016</a:t>
             </a:fld>
             <a:endParaRPr lang="de-DE"/>
           </a:p>
@@ -3770,7 +3770,7 @@
             <a:pPr algn="l"/>
             <a:r>
               <a:rPr lang="de-DE" sz="5400" dirty="0"/>
-              <a:t>Design</a:t>
+              <a:t>Führungsstil</a:t>
             </a:r>
           </a:p>
         </p:txBody>

--- a/documents/projectmanagement/Praesentationen/Führungsstil.pptx
+++ b/documents/projectmanagement/Praesentationen/Führungsstil.pptx
@@ -5,7 +5,7 @@
     <p:sldMasterId id="2147483648" r:id="rId1"/>
   </p:sldMasterIdLst>
   <p:notesMasterIdLst>
-    <p:notesMasterId r:id="rId9"/>
+    <p:notesMasterId r:id="rId13"/>
   </p:notesMasterIdLst>
   <p:sldIdLst>
     <p:sldId id="256" r:id="rId2"/>
@@ -15,6 +15,10 @@
     <p:sldId id="284" r:id="rId6"/>
     <p:sldId id="285" r:id="rId7"/>
     <p:sldId id="282" r:id="rId8"/>
+    <p:sldId id="286" r:id="rId9"/>
+    <p:sldId id="287" r:id="rId10"/>
+    <p:sldId id="288" r:id="rId11"/>
+    <p:sldId id="289" r:id="rId12"/>
   </p:sldIdLst>
   <p:sldSz cx="12192000" cy="6858000"/>
   <p:notesSz cx="6858000" cy="9144000"/>
@@ -119,6 +123,4591 @@
     </p:ext>
   </p:extLst>
 </p:presentation>
+</file>
+
+<file path=ppt/charts/chart1.xml><?xml version="1.0" encoding="utf-8"?>
+<c:chartSpace xmlns:c="http://schemas.openxmlformats.org/drawingml/2006/chart" xmlns:a="http://schemas.openxmlformats.org/drawingml/2006/main" xmlns:r="http://schemas.openxmlformats.org/officeDocument/2006/relationships" xmlns:c16r2="http://schemas.microsoft.com/office/drawing/2015/06/chart">
+  <c:date1904 val="0"/>
+  <c:lang val="de-DE"/>
+  <c:roundedCorners val="0"/>
+  <mc:AlternateContent xmlns:mc="http://schemas.openxmlformats.org/markup-compatibility/2006">
+    <mc:Choice xmlns:c14="http://schemas.microsoft.com/office/drawing/2007/8/2/chart" Requires="c14">
+      <c14:style val="102"/>
+    </mc:Choice>
+    <mc:Fallback>
+      <c:style val="2"/>
+    </mc:Fallback>
+  </mc:AlternateContent>
+  <c:chart>
+    <c:title>
+      <c:tx>
+        <c:rich>
+          <a:bodyPr rot="0" spcFirstLastPara="1" vertOverflow="ellipsis" vert="horz" wrap="square" anchor="ctr" anchorCtr="1"/>
+          <a:lstStyle/>
+          <a:p>
+            <a:pPr>
+              <a:defRPr sz="1862" b="0" i="0" u="none" strike="noStrike" kern="1200" spc="0" baseline="0">
+                <a:solidFill>
+                  <a:schemeClr val="tx1">
+                    <a:lumMod val="65000"/>
+                    <a:lumOff val="35000"/>
+                  </a:schemeClr>
+                </a:solidFill>
+                <a:latin typeface="+mn-lt"/>
+                <a:ea typeface="+mn-ea"/>
+                <a:cs typeface="+mn-cs"/>
+              </a:defRPr>
+            </a:pPr>
+            <a:r>
+              <a:rPr lang="de-DE" dirty="0"/>
+              <a:t>Zielausrichtung</a:t>
+            </a:r>
+          </a:p>
+        </c:rich>
+      </c:tx>
+      <c:overlay val="0"/>
+      <c:spPr>
+        <a:noFill/>
+        <a:ln>
+          <a:noFill/>
+        </a:ln>
+        <a:effectLst/>
+      </c:spPr>
+      <c:txPr>
+        <a:bodyPr rot="0" spcFirstLastPara="1" vertOverflow="ellipsis" vert="horz" wrap="square" anchor="ctr" anchorCtr="1"/>
+        <a:lstStyle/>
+        <a:p>
+          <a:pPr>
+            <a:defRPr sz="1862" b="0" i="0" u="none" strike="noStrike" kern="1200" spc="0" baseline="0">
+              <a:solidFill>
+                <a:schemeClr val="tx1">
+                  <a:lumMod val="65000"/>
+                  <a:lumOff val="35000"/>
+                </a:schemeClr>
+              </a:solidFill>
+              <a:latin typeface="+mn-lt"/>
+              <a:ea typeface="+mn-ea"/>
+              <a:cs typeface="+mn-cs"/>
+            </a:defRPr>
+          </a:pPr>
+          <a:endParaRPr lang="de-DE"/>
+        </a:p>
+      </c:txPr>
+    </c:title>
+    <c:autoTitleDeleted val="0"/>
+    <c:plotArea>
+      <c:layout/>
+      <c:barChart>
+        <c:barDir val="col"/>
+        <c:grouping val="clustered"/>
+        <c:varyColors val="0"/>
+        <c:ser>
+          <c:idx val="0"/>
+          <c:order val="0"/>
+          <c:tx>
+            <c:strRef>
+              <c:f>Tabelle1!$B$1</c:f>
+              <c:strCache>
+                <c:ptCount val="1"/>
+                <c:pt idx="0">
+                  <c:v>Datenreihe 1</c:v>
+                </c:pt>
+              </c:strCache>
+            </c:strRef>
+          </c:tx>
+          <c:spPr>
+            <a:solidFill>
+              <a:schemeClr val="tx1"/>
+            </a:solidFill>
+            <a:ln>
+              <a:noFill/>
+            </a:ln>
+            <a:effectLst/>
+          </c:spPr>
+          <c:invertIfNegative val="0"/>
+          <c:cat>
+            <c:strRef>
+              <c:f>Tabelle1!$A$2:$A$7</c:f>
+              <c:strCache>
+                <c:ptCount val="6"/>
+                <c:pt idx="0">
+                  <c:v>Zielidentifikation</c:v>
+                </c:pt>
+                <c:pt idx="1">
+                  <c:v>Zielkommunikation</c:v>
+                </c:pt>
+                <c:pt idx="2">
+                  <c:v>Relevanzverständnis</c:v>
+                </c:pt>
+                <c:pt idx="3">
+                  <c:v>Umsetzungsstärke</c:v>
+                </c:pt>
+                <c:pt idx="4">
+                  <c:v>Delegationsverständnis</c:v>
+                </c:pt>
+                <c:pt idx="5">
+                  <c:v>Konsequenz</c:v>
+                </c:pt>
+              </c:strCache>
+            </c:strRef>
+          </c:cat>
+          <c:val>
+            <c:numRef>
+              <c:f>Tabelle1!$B$2:$B$7</c:f>
+              <c:numCache>
+                <c:formatCode>General</c:formatCode>
+                <c:ptCount val="6"/>
+                <c:pt idx="0">
+                  <c:v>1</c:v>
+                </c:pt>
+                <c:pt idx="1">
+                  <c:v>3</c:v>
+                </c:pt>
+                <c:pt idx="2">
+                  <c:v>3</c:v>
+                </c:pt>
+                <c:pt idx="3">
+                  <c:v>1</c:v>
+                </c:pt>
+                <c:pt idx="4">
+                  <c:v>4</c:v>
+                </c:pt>
+                <c:pt idx="5">
+                  <c:v>2</c:v>
+                </c:pt>
+              </c:numCache>
+            </c:numRef>
+          </c:val>
+          <c:extLst>
+            <c:ext xmlns:c16="http://schemas.microsoft.com/office/drawing/2014/chart" uri="{C3380CC4-5D6E-409C-BE32-E72D297353CC}">
+              <c16:uniqueId val="{00000000-B9DD-4513-AFD9-D48FD031299F}"/>
+            </c:ext>
+          </c:extLst>
+        </c:ser>
+        <c:ser>
+          <c:idx val="1"/>
+          <c:order val="1"/>
+          <c:tx>
+            <c:strRef>
+              <c:f>Tabelle1!$C$1</c:f>
+              <c:strCache>
+                <c:ptCount val="1"/>
+                <c:pt idx="0">
+                  <c:v>Datenreihe 2</c:v>
+                </c:pt>
+              </c:strCache>
+            </c:strRef>
+          </c:tx>
+          <c:spPr>
+            <a:solidFill>
+              <a:schemeClr val="tx1">
+                <a:lumMod val="75000"/>
+                <a:lumOff val="25000"/>
+              </a:schemeClr>
+            </a:solidFill>
+            <a:ln>
+              <a:noFill/>
+            </a:ln>
+            <a:effectLst/>
+          </c:spPr>
+          <c:invertIfNegative val="0"/>
+          <c:cat>
+            <c:strRef>
+              <c:f>Tabelle1!$A$2:$A$7</c:f>
+              <c:strCache>
+                <c:ptCount val="6"/>
+                <c:pt idx="0">
+                  <c:v>Zielidentifikation</c:v>
+                </c:pt>
+                <c:pt idx="1">
+                  <c:v>Zielkommunikation</c:v>
+                </c:pt>
+                <c:pt idx="2">
+                  <c:v>Relevanzverständnis</c:v>
+                </c:pt>
+                <c:pt idx="3">
+                  <c:v>Umsetzungsstärke</c:v>
+                </c:pt>
+                <c:pt idx="4">
+                  <c:v>Delegationsverständnis</c:v>
+                </c:pt>
+                <c:pt idx="5">
+                  <c:v>Konsequenz</c:v>
+                </c:pt>
+              </c:strCache>
+            </c:strRef>
+          </c:cat>
+          <c:val>
+            <c:numRef>
+              <c:f>Tabelle1!$C$2:$C$7</c:f>
+              <c:numCache>
+                <c:formatCode>General</c:formatCode>
+                <c:ptCount val="6"/>
+                <c:pt idx="0">
+                  <c:v>2</c:v>
+                </c:pt>
+                <c:pt idx="1">
+                  <c:v>2</c:v>
+                </c:pt>
+                <c:pt idx="2">
+                  <c:v>1</c:v>
+                </c:pt>
+                <c:pt idx="3">
+                  <c:v>2</c:v>
+                </c:pt>
+                <c:pt idx="4">
+                  <c:v>1</c:v>
+                </c:pt>
+                <c:pt idx="5">
+                  <c:v>1</c:v>
+                </c:pt>
+              </c:numCache>
+            </c:numRef>
+          </c:val>
+          <c:extLst>
+            <c:ext xmlns:c16="http://schemas.microsoft.com/office/drawing/2014/chart" uri="{C3380CC4-5D6E-409C-BE32-E72D297353CC}">
+              <c16:uniqueId val="{00000001-B9DD-4513-AFD9-D48FD031299F}"/>
+            </c:ext>
+          </c:extLst>
+        </c:ser>
+        <c:ser>
+          <c:idx val="2"/>
+          <c:order val="2"/>
+          <c:tx>
+            <c:strRef>
+              <c:f>Tabelle1!$D$1</c:f>
+              <c:strCache>
+                <c:ptCount val="1"/>
+                <c:pt idx="0">
+                  <c:v>Datenreihe 3</c:v>
+                </c:pt>
+              </c:strCache>
+            </c:strRef>
+          </c:tx>
+          <c:spPr>
+            <a:solidFill>
+              <a:schemeClr val="tx1">
+                <a:lumMod val="50000"/>
+                <a:lumOff val="50000"/>
+              </a:schemeClr>
+            </a:solidFill>
+            <a:ln>
+              <a:noFill/>
+            </a:ln>
+            <a:effectLst/>
+          </c:spPr>
+          <c:invertIfNegative val="0"/>
+          <c:cat>
+            <c:strRef>
+              <c:f>Tabelle1!$A$2:$A$7</c:f>
+              <c:strCache>
+                <c:ptCount val="6"/>
+                <c:pt idx="0">
+                  <c:v>Zielidentifikation</c:v>
+                </c:pt>
+                <c:pt idx="1">
+                  <c:v>Zielkommunikation</c:v>
+                </c:pt>
+                <c:pt idx="2">
+                  <c:v>Relevanzverständnis</c:v>
+                </c:pt>
+                <c:pt idx="3">
+                  <c:v>Umsetzungsstärke</c:v>
+                </c:pt>
+                <c:pt idx="4">
+                  <c:v>Delegationsverständnis</c:v>
+                </c:pt>
+                <c:pt idx="5">
+                  <c:v>Konsequenz</c:v>
+                </c:pt>
+              </c:strCache>
+            </c:strRef>
+          </c:cat>
+          <c:val>
+            <c:numRef>
+              <c:f>Tabelle1!$D$2:$D$7</c:f>
+              <c:numCache>
+                <c:formatCode>General</c:formatCode>
+                <c:ptCount val="6"/>
+                <c:pt idx="0">
+                  <c:v>1</c:v>
+                </c:pt>
+                <c:pt idx="1">
+                  <c:v>2</c:v>
+                </c:pt>
+                <c:pt idx="2">
+                  <c:v>2</c:v>
+                </c:pt>
+                <c:pt idx="3">
+                  <c:v>1</c:v>
+                </c:pt>
+                <c:pt idx="4">
+                  <c:v>3</c:v>
+                </c:pt>
+                <c:pt idx="5">
+                  <c:v>2</c:v>
+                </c:pt>
+              </c:numCache>
+            </c:numRef>
+          </c:val>
+          <c:extLst>
+            <c:ext xmlns:c16="http://schemas.microsoft.com/office/drawing/2014/chart" uri="{C3380CC4-5D6E-409C-BE32-E72D297353CC}">
+              <c16:uniqueId val="{00000002-B9DD-4513-AFD9-D48FD031299F}"/>
+            </c:ext>
+          </c:extLst>
+        </c:ser>
+        <c:ser>
+          <c:idx val="3"/>
+          <c:order val="3"/>
+          <c:tx>
+            <c:strRef>
+              <c:f>Tabelle1!$E$1</c:f>
+              <c:strCache>
+                <c:ptCount val="1"/>
+                <c:pt idx="0">
+                  <c:v>Datenreihe 4</c:v>
+                </c:pt>
+              </c:strCache>
+            </c:strRef>
+          </c:tx>
+          <c:spPr>
+            <a:solidFill>
+              <a:schemeClr val="bg1">
+                <a:lumMod val="65000"/>
+              </a:schemeClr>
+            </a:solidFill>
+            <a:ln>
+              <a:noFill/>
+            </a:ln>
+            <a:effectLst/>
+          </c:spPr>
+          <c:invertIfNegative val="0"/>
+          <c:cat>
+            <c:strRef>
+              <c:f>Tabelle1!$A$2:$A$7</c:f>
+              <c:strCache>
+                <c:ptCount val="6"/>
+                <c:pt idx="0">
+                  <c:v>Zielidentifikation</c:v>
+                </c:pt>
+                <c:pt idx="1">
+                  <c:v>Zielkommunikation</c:v>
+                </c:pt>
+                <c:pt idx="2">
+                  <c:v>Relevanzverständnis</c:v>
+                </c:pt>
+                <c:pt idx="3">
+                  <c:v>Umsetzungsstärke</c:v>
+                </c:pt>
+                <c:pt idx="4">
+                  <c:v>Delegationsverständnis</c:v>
+                </c:pt>
+                <c:pt idx="5">
+                  <c:v>Konsequenz</c:v>
+                </c:pt>
+              </c:strCache>
+            </c:strRef>
+          </c:cat>
+          <c:val>
+            <c:numRef>
+              <c:f>Tabelle1!$E$2:$E$7</c:f>
+              <c:numCache>
+                <c:formatCode>General</c:formatCode>
+                <c:ptCount val="6"/>
+                <c:pt idx="0">
+                  <c:v>2</c:v>
+                </c:pt>
+                <c:pt idx="1">
+                  <c:v>3</c:v>
+                </c:pt>
+                <c:pt idx="2">
+                  <c:v>2</c:v>
+                </c:pt>
+                <c:pt idx="3">
+                  <c:v>3</c:v>
+                </c:pt>
+                <c:pt idx="4">
+                  <c:v>3</c:v>
+                </c:pt>
+                <c:pt idx="5">
+                  <c:v>2</c:v>
+                </c:pt>
+              </c:numCache>
+            </c:numRef>
+          </c:val>
+          <c:extLst>
+            <c:ext xmlns:c16="http://schemas.microsoft.com/office/drawing/2014/chart" uri="{C3380CC4-5D6E-409C-BE32-E72D297353CC}">
+              <c16:uniqueId val="{00000003-B9DD-4513-AFD9-D48FD031299F}"/>
+            </c:ext>
+          </c:extLst>
+        </c:ser>
+        <c:ser>
+          <c:idx val="4"/>
+          <c:order val="4"/>
+          <c:tx>
+            <c:strRef>
+              <c:f>Tabelle1!$F$1</c:f>
+              <c:strCache>
+                <c:ptCount val="1"/>
+                <c:pt idx="0">
+                  <c:v>Durchschnitt</c:v>
+                </c:pt>
+              </c:strCache>
+            </c:strRef>
+          </c:tx>
+          <c:spPr>
+            <a:solidFill>
+              <a:srgbClr val="FF0000"/>
+            </a:solidFill>
+            <a:ln>
+              <a:noFill/>
+            </a:ln>
+            <a:effectLst/>
+          </c:spPr>
+          <c:invertIfNegative val="0"/>
+          <c:cat>
+            <c:strRef>
+              <c:f>Tabelle1!$A$2:$A$7</c:f>
+              <c:strCache>
+                <c:ptCount val="6"/>
+                <c:pt idx="0">
+                  <c:v>Zielidentifikation</c:v>
+                </c:pt>
+                <c:pt idx="1">
+                  <c:v>Zielkommunikation</c:v>
+                </c:pt>
+                <c:pt idx="2">
+                  <c:v>Relevanzverständnis</c:v>
+                </c:pt>
+                <c:pt idx="3">
+                  <c:v>Umsetzungsstärke</c:v>
+                </c:pt>
+                <c:pt idx="4">
+                  <c:v>Delegationsverständnis</c:v>
+                </c:pt>
+                <c:pt idx="5">
+                  <c:v>Konsequenz</c:v>
+                </c:pt>
+              </c:strCache>
+            </c:strRef>
+          </c:cat>
+          <c:val>
+            <c:numRef>
+              <c:f>Tabelle1!$F$2:$F$7</c:f>
+              <c:numCache>
+                <c:formatCode>General</c:formatCode>
+                <c:ptCount val="6"/>
+                <c:pt idx="0">
+                  <c:v>1.5</c:v>
+                </c:pt>
+                <c:pt idx="1">
+                  <c:v>2.5</c:v>
+                </c:pt>
+                <c:pt idx="2">
+                  <c:v>2</c:v>
+                </c:pt>
+                <c:pt idx="3">
+                  <c:v>1.75</c:v>
+                </c:pt>
+                <c:pt idx="4">
+                  <c:v>2.75</c:v>
+                </c:pt>
+                <c:pt idx="5">
+                  <c:v>1.75</c:v>
+                </c:pt>
+              </c:numCache>
+            </c:numRef>
+          </c:val>
+          <c:extLst>
+            <c:ext xmlns:c16="http://schemas.microsoft.com/office/drawing/2014/chart" uri="{C3380CC4-5D6E-409C-BE32-E72D297353CC}">
+              <c16:uniqueId val="{00000004-B9DD-4513-AFD9-D48FD031299F}"/>
+            </c:ext>
+          </c:extLst>
+        </c:ser>
+        <c:dLbls>
+          <c:showLegendKey val="0"/>
+          <c:showVal val="0"/>
+          <c:showCatName val="0"/>
+          <c:showSerName val="0"/>
+          <c:showPercent val="0"/>
+          <c:showBubbleSize val="0"/>
+        </c:dLbls>
+        <c:gapWidth val="219"/>
+        <c:overlap val="-27"/>
+        <c:axId val="257366528"/>
+        <c:axId val="257369664"/>
+      </c:barChart>
+      <c:catAx>
+        <c:axId val="257366528"/>
+        <c:scaling>
+          <c:orientation val="minMax"/>
+        </c:scaling>
+        <c:delete val="0"/>
+        <c:axPos val="b"/>
+        <c:numFmt formatCode="General" sourceLinked="1"/>
+        <c:majorTickMark val="none"/>
+        <c:minorTickMark val="none"/>
+        <c:tickLblPos val="nextTo"/>
+        <c:spPr>
+          <a:noFill/>
+          <a:ln w="9525" cap="flat" cmpd="sng" algn="ctr">
+            <a:solidFill>
+              <a:schemeClr val="tx1">
+                <a:lumMod val="15000"/>
+                <a:lumOff val="85000"/>
+              </a:schemeClr>
+            </a:solidFill>
+            <a:round/>
+          </a:ln>
+          <a:effectLst/>
+        </c:spPr>
+        <c:txPr>
+          <a:bodyPr rot="-60000000" spcFirstLastPara="1" vertOverflow="ellipsis" vert="horz" wrap="square" anchor="ctr" anchorCtr="1"/>
+          <a:lstStyle/>
+          <a:p>
+            <a:pPr>
+              <a:defRPr sz="1197" b="0" i="0" u="none" strike="noStrike" kern="1200" baseline="0">
+                <a:solidFill>
+                  <a:schemeClr val="tx1">
+                    <a:lumMod val="65000"/>
+                    <a:lumOff val="35000"/>
+                  </a:schemeClr>
+                </a:solidFill>
+                <a:latin typeface="+mn-lt"/>
+                <a:ea typeface="+mn-ea"/>
+                <a:cs typeface="+mn-cs"/>
+              </a:defRPr>
+            </a:pPr>
+            <a:endParaRPr lang="de-DE"/>
+          </a:p>
+        </c:txPr>
+        <c:crossAx val="257369664"/>
+        <c:crosses val="autoZero"/>
+        <c:auto val="1"/>
+        <c:lblAlgn val="ctr"/>
+        <c:lblOffset val="100"/>
+        <c:noMultiLvlLbl val="0"/>
+      </c:catAx>
+      <c:valAx>
+        <c:axId val="257369664"/>
+        <c:scaling>
+          <c:orientation val="minMax"/>
+          <c:max val="5"/>
+        </c:scaling>
+        <c:delete val="0"/>
+        <c:axPos val="l"/>
+        <c:majorGridlines>
+          <c:spPr>
+            <a:ln w="9525" cap="flat" cmpd="sng" algn="ctr">
+              <a:solidFill>
+                <a:schemeClr val="bg1">
+                  <a:lumMod val="65000"/>
+                </a:schemeClr>
+              </a:solidFill>
+              <a:round/>
+            </a:ln>
+            <a:effectLst/>
+          </c:spPr>
+        </c:majorGridlines>
+        <c:numFmt formatCode="General" sourceLinked="1"/>
+        <c:majorTickMark val="none"/>
+        <c:minorTickMark val="none"/>
+        <c:tickLblPos val="nextTo"/>
+        <c:spPr>
+          <a:noFill/>
+          <a:ln>
+            <a:noFill/>
+          </a:ln>
+          <a:effectLst/>
+        </c:spPr>
+        <c:txPr>
+          <a:bodyPr rot="-60000000" spcFirstLastPara="1" vertOverflow="ellipsis" vert="horz" wrap="square" anchor="ctr" anchorCtr="1"/>
+          <a:lstStyle/>
+          <a:p>
+            <a:pPr>
+              <a:defRPr sz="1197" b="0" i="0" u="none" strike="noStrike" kern="1200" baseline="0">
+                <a:solidFill>
+                  <a:schemeClr val="tx1">
+                    <a:lumMod val="65000"/>
+                    <a:lumOff val="35000"/>
+                  </a:schemeClr>
+                </a:solidFill>
+                <a:latin typeface="+mn-lt"/>
+                <a:ea typeface="+mn-ea"/>
+                <a:cs typeface="+mn-cs"/>
+              </a:defRPr>
+            </a:pPr>
+            <a:endParaRPr lang="de-DE"/>
+          </a:p>
+        </c:txPr>
+        <c:crossAx val="257366528"/>
+        <c:crosses val="autoZero"/>
+        <c:crossBetween val="between"/>
+        <c:majorUnit val="0.5"/>
+      </c:valAx>
+      <c:spPr>
+        <a:noFill/>
+        <a:ln>
+          <a:noFill/>
+        </a:ln>
+        <a:effectLst/>
+      </c:spPr>
+    </c:plotArea>
+    <c:legend>
+      <c:legendPos val="b"/>
+      <c:overlay val="0"/>
+      <c:spPr>
+        <a:noFill/>
+        <a:ln>
+          <a:noFill/>
+        </a:ln>
+        <a:effectLst/>
+      </c:spPr>
+      <c:txPr>
+        <a:bodyPr rot="0" spcFirstLastPara="1" vertOverflow="ellipsis" vert="horz" wrap="square" anchor="ctr" anchorCtr="1"/>
+        <a:lstStyle/>
+        <a:p>
+          <a:pPr>
+            <a:defRPr sz="1197" b="0" i="0" u="none" strike="noStrike" kern="1200" baseline="0">
+              <a:solidFill>
+                <a:schemeClr val="tx1">
+                  <a:lumMod val="65000"/>
+                  <a:lumOff val="35000"/>
+                </a:schemeClr>
+              </a:solidFill>
+              <a:latin typeface="+mn-lt"/>
+              <a:ea typeface="+mn-ea"/>
+              <a:cs typeface="+mn-cs"/>
+            </a:defRPr>
+          </a:pPr>
+          <a:endParaRPr lang="de-DE"/>
+        </a:p>
+      </c:txPr>
+    </c:legend>
+    <c:plotVisOnly val="1"/>
+    <c:dispBlanksAs val="gap"/>
+    <c:showDLblsOverMax val="0"/>
+  </c:chart>
+  <c:spPr>
+    <a:noFill/>
+    <a:ln>
+      <a:noFill/>
+    </a:ln>
+    <a:effectLst/>
+  </c:spPr>
+  <c:txPr>
+    <a:bodyPr/>
+    <a:lstStyle/>
+    <a:p>
+      <a:pPr>
+        <a:defRPr/>
+      </a:pPr>
+      <a:endParaRPr lang="de-DE"/>
+    </a:p>
+  </c:txPr>
+  <c:externalData r:id="rId3">
+    <c:autoUpdate val="0"/>
+  </c:externalData>
+</c:chartSpace>
+</file>
+
+<file path=ppt/charts/chart2.xml><?xml version="1.0" encoding="utf-8"?>
+<c:chartSpace xmlns:c="http://schemas.openxmlformats.org/drawingml/2006/chart" xmlns:a="http://schemas.openxmlformats.org/drawingml/2006/main" xmlns:r="http://schemas.openxmlformats.org/officeDocument/2006/relationships" xmlns:c16r2="http://schemas.microsoft.com/office/drawing/2015/06/chart">
+  <c:date1904 val="0"/>
+  <c:lang val="de-DE"/>
+  <c:roundedCorners val="0"/>
+  <mc:AlternateContent xmlns:mc="http://schemas.openxmlformats.org/markup-compatibility/2006">
+    <mc:Choice xmlns:c14="http://schemas.microsoft.com/office/drawing/2007/8/2/chart" Requires="c14">
+      <c14:style val="102"/>
+    </mc:Choice>
+    <mc:Fallback>
+      <c:style val="2"/>
+    </mc:Fallback>
+  </mc:AlternateContent>
+  <c:chart>
+    <c:title>
+      <c:tx>
+        <c:rich>
+          <a:bodyPr rot="0" spcFirstLastPara="1" vertOverflow="ellipsis" vert="horz" wrap="square" anchor="ctr" anchorCtr="1"/>
+          <a:lstStyle/>
+          <a:p>
+            <a:pPr>
+              <a:defRPr sz="1862" b="0" i="0" u="none" strike="noStrike" kern="1200" spc="0" baseline="0">
+                <a:solidFill>
+                  <a:schemeClr val="tx1">
+                    <a:lumMod val="65000"/>
+                    <a:lumOff val="35000"/>
+                  </a:schemeClr>
+                </a:solidFill>
+                <a:latin typeface="+mn-lt"/>
+                <a:ea typeface="+mn-ea"/>
+                <a:cs typeface="+mn-cs"/>
+              </a:defRPr>
+            </a:pPr>
+            <a:r>
+              <a:rPr lang="de-DE" dirty="0"/>
+              <a:t>Planung und Organisation</a:t>
+            </a:r>
+          </a:p>
+        </c:rich>
+      </c:tx>
+      <c:overlay val="0"/>
+      <c:spPr>
+        <a:noFill/>
+        <a:ln>
+          <a:noFill/>
+        </a:ln>
+        <a:effectLst/>
+      </c:spPr>
+      <c:txPr>
+        <a:bodyPr rot="0" spcFirstLastPara="1" vertOverflow="ellipsis" vert="horz" wrap="square" anchor="ctr" anchorCtr="1"/>
+        <a:lstStyle/>
+        <a:p>
+          <a:pPr>
+            <a:defRPr sz="1862" b="0" i="0" u="none" strike="noStrike" kern="1200" spc="0" baseline="0">
+              <a:solidFill>
+                <a:schemeClr val="tx1">
+                  <a:lumMod val="65000"/>
+                  <a:lumOff val="35000"/>
+                </a:schemeClr>
+              </a:solidFill>
+              <a:latin typeface="+mn-lt"/>
+              <a:ea typeface="+mn-ea"/>
+              <a:cs typeface="+mn-cs"/>
+            </a:defRPr>
+          </a:pPr>
+          <a:endParaRPr lang="de-DE"/>
+        </a:p>
+      </c:txPr>
+    </c:title>
+    <c:autoTitleDeleted val="0"/>
+    <c:plotArea>
+      <c:layout/>
+      <c:barChart>
+        <c:barDir val="col"/>
+        <c:grouping val="clustered"/>
+        <c:varyColors val="0"/>
+        <c:ser>
+          <c:idx val="0"/>
+          <c:order val="0"/>
+          <c:tx>
+            <c:strRef>
+              <c:f>Tabelle1!$B$1</c:f>
+              <c:strCache>
+                <c:ptCount val="1"/>
+                <c:pt idx="0">
+                  <c:v>Datenreihe 1</c:v>
+                </c:pt>
+              </c:strCache>
+            </c:strRef>
+          </c:tx>
+          <c:spPr>
+            <a:solidFill>
+              <a:schemeClr val="tx1"/>
+            </a:solidFill>
+            <a:ln>
+              <a:noFill/>
+            </a:ln>
+            <a:effectLst/>
+          </c:spPr>
+          <c:invertIfNegative val="0"/>
+          <c:cat>
+            <c:strRef>
+              <c:f>Tabelle1!$A$2:$A$7</c:f>
+              <c:strCache>
+                <c:ptCount val="6"/>
+                <c:pt idx="0">
+                  <c:v>Planungseffizienz</c:v>
+                </c:pt>
+                <c:pt idx="1">
+                  <c:v>Instrumentenhandhabung</c:v>
+                </c:pt>
+                <c:pt idx="2">
+                  <c:v>Relitätsnähe</c:v>
+                </c:pt>
+                <c:pt idx="3">
+                  <c:v>Organisationsgeschick</c:v>
+                </c:pt>
+                <c:pt idx="4">
+                  <c:v>Organisationskenntnisse</c:v>
+                </c:pt>
+                <c:pt idx="5">
+                  <c:v>Einhalten von Abläufen</c:v>
+                </c:pt>
+              </c:strCache>
+            </c:strRef>
+          </c:cat>
+          <c:val>
+            <c:numRef>
+              <c:f>Tabelle1!$B$2:$B$7</c:f>
+              <c:numCache>
+                <c:formatCode>General</c:formatCode>
+                <c:ptCount val="6"/>
+                <c:pt idx="0">
+                  <c:v>2</c:v>
+                </c:pt>
+                <c:pt idx="1">
+                  <c:v>2</c:v>
+                </c:pt>
+                <c:pt idx="2">
+                  <c:v>2</c:v>
+                </c:pt>
+                <c:pt idx="3">
+                  <c:v>2</c:v>
+                </c:pt>
+                <c:pt idx="4">
+                  <c:v>2</c:v>
+                </c:pt>
+                <c:pt idx="5">
+                  <c:v>1</c:v>
+                </c:pt>
+              </c:numCache>
+            </c:numRef>
+          </c:val>
+          <c:extLst>
+            <c:ext xmlns:c16="http://schemas.microsoft.com/office/drawing/2014/chart" uri="{C3380CC4-5D6E-409C-BE32-E72D297353CC}">
+              <c16:uniqueId val="{00000000-F22E-4B10-9442-FD0D3C5AB8D8}"/>
+            </c:ext>
+          </c:extLst>
+        </c:ser>
+        <c:ser>
+          <c:idx val="1"/>
+          <c:order val="1"/>
+          <c:tx>
+            <c:strRef>
+              <c:f>Tabelle1!$C$1</c:f>
+              <c:strCache>
+                <c:ptCount val="1"/>
+                <c:pt idx="0">
+                  <c:v>Datenreihe 2</c:v>
+                </c:pt>
+              </c:strCache>
+            </c:strRef>
+          </c:tx>
+          <c:spPr>
+            <a:solidFill>
+              <a:schemeClr val="tx1">
+                <a:lumMod val="75000"/>
+                <a:lumOff val="25000"/>
+              </a:schemeClr>
+            </a:solidFill>
+            <a:ln>
+              <a:noFill/>
+            </a:ln>
+            <a:effectLst/>
+          </c:spPr>
+          <c:invertIfNegative val="0"/>
+          <c:cat>
+            <c:strRef>
+              <c:f>Tabelle1!$A$2:$A$7</c:f>
+              <c:strCache>
+                <c:ptCount val="6"/>
+                <c:pt idx="0">
+                  <c:v>Planungseffizienz</c:v>
+                </c:pt>
+                <c:pt idx="1">
+                  <c:v>Instrumentenhandhabung</c:v>
+                </c:pt>
+                <c:pt idx="2">
+                  <c:v>Relitätsnähe</c:v>
+                </c:pt>
+                <c:pt idx="3">
+                  <c:v>Organisationsgeschick</c:v>
+                </c:pt>
+                <c:pt idx="4">
+                  <c:v>Organisationskenntnisse</c:v>
+                </c:pt>
+                <c:pt idx="5">
+                  <c:v>Einhalten von Abläufen</c:v>
+                </c:pt>
+              </c:strCache>
+            </c:strRef>
+          </c:cat>
+          <c:val>
+            <c:numRef>
+              <c:f>Tabelle1!$C$2:$C$7</c:f>
+              <c:numCache>
+                <c:formatCode>General</c:formatCode>
+                <c:ptCount val="6"/>
+                <c:pt idx="0">
+                  <c:v>1</c:v>
+                </c:pt>
+                <c:pt idx="1">
+                  <c:v>3</c:v>
+                </c:pt>
+                <c:pt idx="2">
+                  <c:v>3</c:v>
+                </c:pt>
+                <c:pt idx="3">
+                  <c:v>2</c:v>
+                </c:pt>
+                <c:pt idx="4">
+                  <c:v>2</c:v>
+                </c:pt>
+                <c:pt idx="5">
+                  <c:v>2</c:v>
+                </c:pt>
+              </c:numCache>
+            </c:numRef>
+          </c:val>
+          <c:extLst>
+            <c:ext xmlns:c16="http://schemas.microsoft.com/office/drawing/2014/chart" uri="{C3380CC4-5D6E-409C-BE32-E72D297353CC}">
+              <c16:uniqueId val="{00000001-F22E-4B10-9442-FD0D3C5AB8D8}"/>
+            </c:ext>
+          </c:extLst>
+        </c:ser>
+        <c:ser>
+          <c:idx val="2"/>
+          <c:order val="2"/>
+          <c:tx>
+            <c:strRef>
+              <c:f>Tabelle1!$D$1</c:f>
+              <c:strCache>
+                <c:ptCount val="1"/>
+                <c:pt idx="0">
+                  <c:v>Datenreihe 3</c:v>
+                </c:pt>
+              </c:strCache>
+            </c:strRef>
+          </c:tx>
+          <c:spPr>
+            <a:solidFill>
+              <a:schemeClr val="tx1">
+                <a:lumMod val="50000"/>
+                <a:lumOff val="50000"/>
+              </a:schemeClr>
+            </a:solidFill>
+            <a:ln>
+              <a:noFill/>
+            </a:ln>
+            <a:effectLst/>
+          </c:spPr>
+          <c:invertIfNegative val="0"/>
+          <c:cat>
+            <c:strRef>
+              <c:f>Tabelle1!$A$2:$A$7</c:f>
+              <c:strCache>
+                <c:ptCount val="6"/>
+                <c:pt idx="0">
+                  <c:v>Planungseffizienz</c:v>
+                </c:pt>
+                <c:pt idx="1">
+                  <c:v>Instrumentenhandhabung</c:v>
+                </c:pt>
+                <c:pt idx="2">
+                  <c:v>Relitätsnähe</c:v>
+                </c:pt>
+                <c:pt idx="3">
+                  <c:v>Organisationsgeschick</c:v>
+                </c:pt>
+                <c:pt idx="4">
+                  <c:v>Organisationskenntnisse</c:v>
+                </c:pt>
+                <c:pt idx="5">
+                  <c:v>Einhalten von Abläufen</c:v>
+                </c:pt>
+              </c:strCache>
+            </c:strRef>
+          </c:cat>
+          <c:val>
+            <c:numRef>
+              <c:f>Tabelle1!$D$2:$D$7</c:f>
+              <c:numCache>
+                <c:formatCode>General</c:formatCode>
+                <c:ptCount val="6"/>
+                <c:pt idx="0">
+                  <c:v>3</c:v>
+                </c:pt>
+                <c:pt idx="1">
+                  <c:v>2</c:v>
+                </c:pt>
+                <c:pt idx="2">
+                  <c:v>2</c:v>
+                </c:pt>
+                <c:pt idx="3">
+                  <c:v>2</c:v>
+                </c:pt>
+                <c:pt idx="4">
+                  <c:v>3</c:v>
+                </c:pt>
+                <c:pt idx="5">
+                  <c:v>1</c:v>
+                </c:pt>
+              </c:numCache>
+            </c:numRef>
+          </c:val>
+          <c:extLst>
+            <c:ext xmlns:c16="http://schemas.microsoft.com/office/drawing/2014/chart" uri="{C3380CC4-5D6E-409C-BE32-E72D297353CC}">
+              <c16:uniqueId val="{00000002-F22E-4B10-9442-FD0D3C5AB8D8}"/>
+            </c:ext>
+          </c:extLst>
+        </c:ser>
+        <c:ser>
+          <c:idx val="3"/>
+          <c:order val="3"/>
+          <c:tx>
+            <c:strRef>
+              <c:f>Tabelle1!$E$1</c:f>
+              <c:strCache>
+                <c:ptCount val="1"/>
+                <c:pt idx="0">
+                  <c:v>Datenreihe 4</c:v>
+                </c:pt>
+              </c:strCache>
+            </c:strRef>
+          </c:tx>
+          <c:spPr>
+            <a:solidFill>
+              <a:schemeClr val="bg1">
+                <a:lumMod val="65000"/>
+              </a:schemeClr>
+            </a:solidFill>
+            <a:ln>
+              <a:noFill/>
+            </a:ln>
+            <a:effectLst/>
+          </c:spPr>
+          <c:invertIfNegative val="0"/>
+          <c:cat>
+            <c:strRef>
+              <c:f>Tabelle1!$A$2:$A$7</c:f>
+              <c:strCache>
+                <c:ptCount val="6"/>
+                <c:pt idx="0">
+                  <c:v>Planungseffizienz</c:v>
+                </c:pt>
+                <c:pt idx="1">
+                  <c:v>Instrumentenhandhabung</c:v>
+                </c:pt>
+                <c:pt idx="2">
+                  <c:v>Relitätsnähe</c:v>
+                </c:pt>
+                <c:pt idx="3">
+                  <c:v>Organisationsgeschick</c:v>
+                </c:pt>
+                <c:pt idx="4">
+                  <c:v>Organisationskenntnisse</c:v>
+                </c:pt>
+                <c:pt idx="5">
+                  <c:v>Einhalten von Abläufen</c:v>
+                </c:pt>
+              </c:strCache>
+            </c:strRef>
+          </c:cat>
+          <c:val>
+            <c:numRef>
+              <c:f>Tabelle1!$E$2:$E$7</c:f>
+              <c:numCache>
+                <c:formatCode>General</c:formatCode>
+                <c:ptCount val="6"/>
+                <c:pt idx="0">
+                  <c:v>3</c:v>
+                </c:pt>
+                <c:pt idx="1">
+                  <c:v>3</c:v>
+                </c:pt>
+                <c:pt idx="2">
+                  <c:v>2</c:v>
+                </c:pt>
+                <c:pt idx="3">
+                  <c:v>2</c:v>
+                </c:pt>
+                <c:pt idx="4">
+                  <c:v>2</c:v>
+                </c:pt>
+                <c:pt idx="5">
+                  <c:v>3</c:v>
+                </c:pt>
+              </c:numCache>
+            </c:numRef>
+          </c:val>
+          <c:extLst>
+            <c:ext xmlns:c16="http://schemas.microsoft.com/office/drawing/2014/chart" uri="{C3380CC4-5D6E-409C-BE32-E72D297353CC}">
+              <c16:uniqueId val="{00000003-F22E-4B10-9442-FD0D3C5AB8D8}"/>
+            </c:ext>
+          </c:extLst>
+        </c:ser>
+        <c:ser>
+          <c:idx val="4"/>
+          <c:order val="4"/>
+          <c:tx>
+            <c:strRef>
+              <c:f>Tabelle1!$F$1</c:f>
+              <c:strCache>
+                <c:ptCount val="1"/>
+                <c:pt idx="0">
+                  <c:v>Durchschnitt</c:v>
+                </c:pt>
+              </c:strCache>
+            </c:strRef>
+          </c:tx>
+          <c:spPr>
+            <a:solidFill>
+              <a:srgbClr val="00B050"/>
+            </a:solidFill>
+            <a:ln>
+              <a:noFill/>
+            </a:ln>
+            <a:effectLst/>
+          </c:spPr>
+          <c:invertIfNegative val="0"/>
+          <c:cat>
+            <c:strRef>
+              <c:f>Tabelle1!$A$2:$A$7</c:f>
+              <c:strCache>
+                <c:ptCount val="6"/>
+                <c:pt idx="0">
+                  <c:v>Planungseffizienz</c:v>
+                </c:pt>
+                <c:pt idx="1">
+                  <c:v>Instrumentenhandhabung</c:v>
+                </c:pt>
+                <c:pt idx="2">
+                  <c:v>Relitätsnähe</c:v>
+                </c:pt>
+                <c:pt idx="3">
+                  <c:v>Organisationsgeschick</c:v>
+                </c:pt>
+                <c:pt idx="4">
+                  <c:v>Organisationskenntnisse</c:v>
+                </c:pt>
+                <c:pt idx="5">
+                  <c:v>Einhalten von Abläufen</c:v>
+                </c:pt>
+              </c:strCache>
+            </c:strRef>
+          </c:cat>
+          <c:val>
+            <c:numRef>
+              <c:f>Tabelle1!$F$2:$F$7</c:f>
+              <c:numCache>
+                <c:formatCode>General</c:formatCode>
+                <c:ptCount val="6"/>
+                <c:pt idx="0">
+                  <c:v>2.25</c:v>
+                </c:pt>
+                <c:pt idx="1">
+                  <c:v>2.5</c:v>
+                </c:pt>
+                <c:pt idx="2">
+                  <c:v>2.25</c:v>
+                </c:pt>
+                <c:pt idx="3">
+                  <c:v>2</c:v>
+                </c:pt>
+                <c:pt idx="4">
+                  <c:v>2.25</c:v>
+                </c:pt>
+                <c:pt idx="5">
+                  <c:v>1.75</c:v>
+                </c:pt>
+              </c:numCache>
+            </c:numRef>
+          </c:val>
+          <c:extLst>
+            <c:ext xmlns:c16="http://schemas.microsoft.com/office/drawing/2014/chart" uri="{C3380CC4-5D6E-409C-BE32-E72D297353CC}">
+              <c16:uniqueId val="{00000004-F22E-4B10-9442-FD0D3C5AB8D8}"/>
+            </c:ext>
+          </c:extLst>
+        </c:ser>
+        <c:dLbls>
+          <c:showLegendKey val="0"/>
+          <c:showVal val="0"/>
+          <c:showCatName val="0"/>
+          <c:showSerName val="0"/>
+          <c:showPercent val="0"/>
+          <c:showBubbleSize val="0"/>
+        </c:dLbls>
+        <c:gapWidth val="219"/>
+        <c:overlap val="-27"/>
+        <c:axId val="257371624"/>
+        <c:axId val="257372016"/>
+      </c:barChart>
+      <c:catAx>
+        <c:axId val="257371624"/>
+        <c:scaling>
+          <c:orientation val="minMax"/>
+        </c:scaling>
+        <c:delete val="0"/>
+        <c:axPos val="b"/>
+        <c:numFmt formatCode="General" sourceLinked="1"/>
+        <c:majorTickMark val="none"/>
+        <c:minorTickMark val="none"/>
+        <c:tickLblPos val="nextTo"/>
+        <c:spPr>
+          <a:noFill/>
+          <a:ln w="9525" cap="flat" cmpd="sng" algn="ctr">
+            <a:solidFill>
+              <a:schemeClr val="tx1">
+                <a:lumMod val="15000"/>
+                <a:lumOff val="85000"/>
+              </a:schemeClr>
+            </a:solidFill>
+            <a:round/>
+          </a:ln>
+          <a:effectLst/>
+        </c:spPr>
+        <c:txPr>
+          <a:bodyPr rot="-60000000" spcFirstLastPara="1" vertOverflow="ellipsis" vert="horz" wrap="square" anchor="ctr" anchorCtr="1"/>
+          <a:lstStyle/>
+          <a:p>
+            <a:pPr>
+              <a:defRPr sz="1197" b="0" i="0" u="none" strike="noStrike" kern="1200" baseline="0">
+                <a:solidFill>
+                  <a:schemeClr val="tx1">
+                    <a:lumMod val="65000"/>
+                    <a:lumOff val="35000"/>
+                  </a:schemeClr>
+                </a:solidFill>
+                <a:latin typeface="+mn-lt"/>
+                <a:ea typeface="+mn-ea"/>
+                <a:cs typeface="+mn-cs"/>
+              </a:defRPr>
+            </a:pPr>
+            <a:endParaRPr lang="de-DE"/>
+          </a:p>
+        </c:txPr>
+        <c:crossAx val="257372016"/>
+        <c:crosses val="autoZero"/>
+        <c:auto val="1"/>
+        <c:lblAlgn val="ctr"/>
+        <c:lblOffset val="100"/>
+        <c:noMultiLvlLbl val="0"/>
+      </c:catAx>
+      <c:valAx>
+        <c:axId val="257372016"/>
+        <c:scaling>
+          <c:orientation val="minMax"/>
+          <c:max val="5"/>
+        </c:scaling>
+        <c:delete val="0"/>
+        <c:axPos val="l"/>
+        <c:majorGridlines>
+          <c:spPr>
+            <a:ln w="9525" cap="flat" cmpd="sng" algn="ctr">
+              <a:solidFill>
+                <a:schemeClr val="bg1">
+                  <a:lumMod val="65000"/>
+                </a:schemeClr>
+              </a:solidFill>
+              <a:round/>
+            </a:ln>
+            <a:effectLst/>
+          </c:spPr>
+        </c:majorGridlines>
+        <c:numFmt formatCode="General" sourceLinked="1"/>
+        <c:majorTickMark val="none"/>
+        <c:minorTickMark val="none"/>
+        <c:tickLblPos val="nextTo"/>
+        <c:spPr>
+          <a:noFill/>
+          <a:ln>
+            <a:noFill/>
+          </a:ln>
+          <a:effectLst/>
+        </c:spPr>
+        <c:txPr>
+          <a:bodyPr rot="-60000000" spcFirstLastPara="1" vertOverflow="ellipsis" vert="horz" wrap="square" anchor="ctr" anchorCtr="1"/>
+          <a:lstStyle/>
+          <a:p>
+            <a:pPr>
+              <a:defRPr sz="1197" b="0" i="0" u="none" strike="noStrike" kern="1200" baseline="0">
+                <a:solidFill>
+                  <a:schemeClr val="tx1">
+                    <a:lumMod val="65000"/>
+                    <a:lumOff val="35000"/>
+                  </a:schemeClr>
+                </a:solidFill>
+                <a:latin typeface="+mn-lt"/>
+                <a:ea typeface="+mn-ea"/>
+                <a:cs typeface="+mn-cs"/>
+              </a:defRPr>
+            </a:pPr>
+            <a:endParaRPr lang="de-DE"/>
+          </a:p>
+        </c:txPr>
+        <c:crossAx val="257371624"/>
+        <c:crosses val="autoZero"/>
+        <c:crossBetween val="between"/>
+      </c:valAx>
+      <c:spPr>
+        <a:noFill/>
+        <a:ln>
+          <a:noFill/>
+        </a:ln>
+        <a:effectLst/>
+      </c:spPr>
+    </c:plotArea>
+    <c:legend>
+      <c:legendPos val="b"/>
+      <c:overlay val="0"/>
+      <c:spPr>
+        <a:noFill/>
+        <a:ln>
+          <a:noFill/>
+        </a:ln>
+        <a:effectLst/>
+      </c:spPr>
+      <c:txPr>
+        <a:bodyPr rot="0" spcFirstLastPara="1" vertOverflow="ellipsis" vert="horz" wrap="square" anchor="ctr" anchorCtr="1"/>
+        <a:lstStyle/>
+        <a:p>
+          <a:pPr>
+            <a:defRPr sz="1197" b="0" i="0" u="none" strike="noStrike" kern="1200" baseline="0">
+              <a:solidFill>
+                <a:schemeClr val="tx1">
+                  <a:lumMod val="65000"/>
+                  <a:lumOff val="35000"/>
+                </a:schemeClr>
+              </a:solidFill>
+              <a:latin typeface="+mn-lt"/>
+              <a:ea typeface="+mn-ea"/>
+              <a:cs typeface="+mn-cs"/>
+            </a:defRPr>
+          </a:pPr>
+          <a:endParaRPr lang="de-DE"/>
+        </a:p>
+      </c:txPr>
+    </c:legend>
+    <c:plotVisOnly val="1"/>
+    <c:dispBlanksAs val="gap"/>
+    <c:showDLblsOverMax val="0"/>
+  </c:chart>
+  <c:spPr>
+    <a:noFill/>
+    <a:ln>
+      <a:noFill/>
+    </a:ln>
+    <a:effectLst/>
+  </c:spPr>
+  <c:txPr>
+    <a:bodyPr/>
+    <a:lstStyle/>
+    <a:p>
+      <a:pPr>
+        <a:defRPr/>
+      </a:pPr>
+      <a:endParaRPr lang="de-DE"/>
+    </a:p>
+  </c:txPr>
+  <c:externalData r:id="rId3">
+    <c:autoUpdate val="0"/>
+  </c:externalData>
+</c:chartSpace>
+</file>
+
+<file path=ppt/charts/chart3.xml><?xml version="1.0" encoding="utf-8"?>
+<c:chartSpace xmlns:c="http://schemas.openxmlformats.org/drawingml/2006/chart" xmlns:a="http://schemas.openxmlformats.org/drawingml/2006/main" xmlns:r="http://schemas.openxmlformats.org/officeDocument/2006/relationships" xmlns:c16r2="http://schemas.microsoft.com/office/drawing/2015/06/chart">
+  <c:date1904 val="0"/>
+  <c:lang val="de-DE"/>
+  <c:roundedCorners val="0"/>
+  <mc:AlternateContent xmlns:mc="http://schemas.openxmlformats.org/markup-compatibility/2006">
+    <mc:Choice xmlns:c14="http://schemas.microsoft.com/office/drawing/2007/8/2/chart" Requires="c14">
+      <c14:style val="102"/>
+    </mc:Choice>
+    <mc:Fallback>
+      <c:style val="2"/>
+    </mc:Fallback>
+  </mc:AlternateContent>
+  <c:chart>
+    <c:title>
+      <c:tx>
+        <c:rich>
+          <a:bodyPr rot="0" spcFirstLastPara="1" vertOverflow="ellipsis" vert="horz" wrap="square" anchor="ctr" anchorCtr="1"/>
+          <a:lstStyle/>
+          <a:p>
+            <a:pPr>
+              <a:defRPr sz="1862" b="0" i="0" u="none" strike="noStrike" kern="1200" spc="0" baseline="0">
+                <a:solidFill>
+                  <a:schemeClr val="tx1">
+                    <a:lumMod val="65000"/>
+                    <a:lumOff val="35000"/>
+                  </a:schemeClr>
+                </a:solidFill>
+                <a:latin typeface="+mn-lt"/>
+                <a:ea typeface="+mn-ea"/>
+                <a:cs typeface="+mn-cs"/>
+              </a:defRPr>
+            </a:pPr>
+            <a:r>
+              <a:rPr lang="de-DE" dirty="0"/>
+              <a:t>Sozialkompetenzen</a:t>
+            </a:r>
+            <a:r>
+              <a:rPr lang="de-DE" baseline="0" dirty="0"/>
+              <a:t> und Verhalten</a:t>
+            </a:r>
+            <a:endParaRPr lang="de-DE" dirty="0"/>
+          </a:p>
+        </c:rich>
+      </c:tx>
+      <c:overlay val="0"/>
+      <c:spPr>
+        <a:noFill/>
+        <a:ln>
+          <a:noFill/>
+        </a:ln>
+        <a:effectLst/>
+      </c:spPr>
+      <c:txPr>
+        <a:bodyPr rot="0" spcFirstLastPara="1" vertOverflow="ellipsis" vert="horz" wrap="square" anchor="ctr" anchorCtr="1"/>
+        <a:lstStyle/>
+        <a:p>
+          <a:pPr>
+            <a:defRPr sz="1862" b="0" i="0" u="none" strike="noStrike" kern="1200" spc="0" baseline="0">
+              <a:solidFill>
+                <a:schemeClr val="tx1">
+                  <a:lumMod val="65000"/>
+                  <a:lumOff val="35000"/>
+                </a:schemeClr>
+              </a:solidFill>
+              <a:latin typeface="+mn-lt"/>
+              <a:ea typeface="+mn-ea"/>
+              <a:cs typeface="+mn-cs"/>
+            </a:defRPr>
+          </a:pPr>
+          <a:endParaRPr lang="de-DE"/>
+        </a:p>
+      </c:txPr>
+    </c:title>
+    <c:autoTitleDeleted val="0"/>
+    <c:plotArea>
+      <c:layout/>
+      <c:barChart>
+        <c:barDir val="col"/>
+        <c:grouping val="clustered"/>
+        <c:varyColors val="0"/>
+        <c:ser>
+          <c:idx val="0"/>
+          <c:order val="0"/>
+          <c:tx>
+            <c:strRef>
+              <c:f>Tabelle1!$B$1</c:f>
+              <c:strCache>
+                <c:ptCount val="1"/>
+                <c:pt idx="0">
+                  <c:v>Datenreihe 1</c:v>
+                </c:pt>
+              </c:strCache>
+            </c:strRef>
+          </c:tx>
+          <c:spPr>
+            <a:solidFill>
+              <a:schemeClr val="tx1"/>
+            </a:solidFill>
+            <a:ln>
+              <a:noFill/>
+            </a:ln>
+            <a:effectLst/>
+          </c:spPr>
+          <c:invertIfNegative val="0"/>
+          <c:cat>
+            <c:strRef>
+              <c:f>Tabelle1!$A$2:$A$7</c:f>
+              <c:strCache>
+                <c:ptCount val="6"/>
+                <c:pt idx="0">
+                  <c:v>Motivationsfähigkeit</c:v>
+                </c:pt>
+                <c:pt idx="1">
+                  <c:v>Überzeugungskraft</c:v>
+                </c:pt>
+                <c:pt idx="2">
+                  <c:v>Mitarbeiterorientierung</c:v>
+                </c:pt>
+                <c:pt idx="3">
+                  <c:v>Empathie</c:v>
+                </c:pt>
+                <c:pt idx="4">
+                  <c:v>Emotionale Stabilität</c:v>
+                </c:pt>
+                <c:pt idx="5">
+                  <c:v>Charisma</c:v>
+                </c:pt>
+              </c:strCache>
+            </c:strRef>
+          </c:cat>
+          <c:val>
+            <c:numRef>
+              <c:f>Tabelle1!$B$2:$B$7</c:f>
+              <c:numCache>
+                <c:formatCode>General</c:formatCode>
+                <c:ptCount val="6"/>
+                <c:pt idx="0">
+                  <c:v>1</c:v>
+                </c:pt>
+                <c:pt idx="1">
+                  <c:v>1</c:v>
+                </c:pt>
+                <c:pt idx="2">
+                  <c:v>2</c:v>
+                </c:pt>
+                <c:pt idx="3">
+                  <c:v>2</c:v>
+                </c:pt>
+                <c:pt idx="4">
+                  <c:v>1</c:v>
+                </c:pt>
+                <c:pt idx="5">
+                  <c:v>2</c:v>
+                </c:pt>
+              </c:numCache>
+            </c:numRef>
+          </c:val>
+          <c:extLst>
+            <c:ext xmlns:c16="http://schemas.microsoft.com/office/drawing/2014/chart" uri="{C3380CC4-5D6E-409C-BE32-E72D297353CC}">
+              <c16:uniqueId val="{00000000-8F14-4C60-8E49-A7222A2F8DAD}"/>
+            </c:ext>
+          </c:extLst>
+        </c:ser>
+        <c:ser>
+          <c:idx val="1"/>
+          <c:order val="1"/>
+          <c:tx>
+            <c:strRef>
+              <c:f>Tabelle1!$C$1</c:f>
+              <c:strCache>
+                <c:ptCount val="1"/>
+                <c:pt idx="0">
+                  <c:v>Datenreihe 2</c:v>
+                </c:pt>
+              </c:strCache>
+            </c:strRef>
+          </c:tx>
+          <c:spPr>
+            <a:solidFill>
+              <a:schemeClr val="tx1">
+                <a:lumMod val="75000"/>
+                <a:lumOff val="25000"/>
+              </a:schemeClr>
+            </a:solidFill>
+            <a:ln>
+              <a:noFill/>
+            </a:ln>
+            <a:effectLst/>
+          </c:spPr>
+          <c:invertIfNegative val="0"/>
+          <c:cat>
+            <c:strRef>
+              <c:f>Tabelle1!$A$2:$A$7</c:f>
+              <c:strCache>
+                <c:ptCount val="6"/>
+                <c:pt idx="0">
+                  <c:v>Motivationsfähigkeit</c:v>
+                </c:pt>
+                <c:pt idx="1">
+                  <c:v>Überzeugungskraft</c:v>
+                </c:pt>
+                <c:pt idx="2">
+                  <c:v>Mitarbeiterorientierung</c:v>
+                </c:pt>
+                <c:pt idx="3">
+                  <c:v>Empathie</c:v>
+                </c:pt>
+                <c:pt idx="4">
+                  <c:v>Emotionale Stabilität</c:v>
+                </c:pt>
+                <c:pt idx="5">
+                  <c:v>Charisma</c:v>
+                </c:pt>
+              </c:strCache>
+            </c:strRef>
+          </c:cat>
+          <c:val>
+            <c:numRef>
+              <c:f>Tabelle1!$C$2:$C$7</c:f>
+              <c:numCache>
+                <c:formatCode>General</c:formatCode>
+                <c:ptCount val="6"/>
+                <c:pt idx="0">
+                  <c:v>1</c:v>
+                </c:pt>
+                <c:pt idx="1">
+                  <c:v>2</c:v>
+                </c:pt>
+                <c:pt idx="2">
+                  <c:v>2</c:v>
+                </c:pt>
+                <c:pt idx="3">
+                  <c:v>4</c:v>
+                </c:pt>
+                <c:pt idx="4">
+                  <c:v>1</c:v>
+                </c:pt>
+                <c:pt idx="5">
+                  <c:v>2</c:v>
+                </c:pt>
+              </c:numCache>
+            </c:numRef>
+          </c:val>
+          <c:extLst>
+            <c:ext xmlns:c16="http://schemas.microsoft.com/office/drawing/2014/chart" uri="{C3380CC4-5D6E-409C-BE32-E72D297353CC}">
+              <c16:uniqueId val="{00000001-8F14-4C60-8E49-A7222A2F8DAD}"/>
+            </c:ext>
+          </c:extLst>
+        </c:ser>
+        <c:ser>
+          <c:idx val="2"/>
+          <c:order val="2"/>
+          <c:tx>
+            <c:strRef>
+              <c:f>Tabelle1!$D$1</c:f>
+              <c:strCache>
+                <c:ptCount val="1"/>
+                <c:pt idx="0">
+                  <c:v>Datenreihe 3</c:v>
+                </c:pt>
+              </c:strCache>
+            </c:strRef>
+          </c:tx>
+          <c:spPr>
+            <a:solidFill>
+              <a:schemeClr val="tx1">
+                <a:lumMod val="50000"/>
+                <a:lumOff val="50000"/>
+              </a:schemeClr>
+            </a:solidFill>
+            <a:ln>
+              <a:noFill/>
+            </a:ln>
+            <a:effectLst/>
+          </c:spPr>
+          <c:invertIfNegative val="0"/>
+          <c:cat>
+            <c:strRef>
+              <c:f>Tabelle1!$A$2:$A$7</c:f>
+              <c:strCache>
+                <c:ptCount val="6"/>
+                <c:pt idx="0">
+                  <c:v>Motivationsfähigkeit</c:v>
+                </c:pt>
+                <c:pt idx="1">
+                  <c:v>Überzeugungskraft</c:v>
+                </c:pt>
+                <c:pt idx="2">
+                  <c:v>Mitarbeiterorientierung</c:v>
+                </c:pt>
+                <c:pt idx="3">
+                  <c:v>Empathie</c:v>
+                </c:pt>
+                <c:pt idx="4">
+                  <c:v>Emotionale Stabilität</c:v>
+                </c:pt>
+                <c:pt idx="5">
+                  <c:v>Charisma</c:v>
+                </c:pt>
+              </c:strCache>
+            </c:strRef>
+          </c:cat>
+          <c:val>
+            <c:numRef>
+              <c:f>Tabelle1!$D$2:$D$7</c:f>
+              <c:numCache>
+                <c:formatCode>General</c:formatCode>
+                <c:ptCount val="6"/>
+                <c:pt idx="0">
+                  <c:v>1</c:v>
+                </c:pt>
+                <c:pt idx="1">
+                  <c:v>2</c:v>
+                </c:pt>
+                <c:pt idx="2">
+                  <c:v>2</c:v>
+                </c:pt>
+                <c:pt idx="3">
+                  <c:v>3</c:v>
+                </c:pt>
+                <c:pt idx="4">
+                  <c:v>1</c:v>
+                </c:pt>
+                <c:pt idx="5">
+                  <c:v>2</c:v>
+                </c:pt>
+              </c:numCache>
+            </c:numRef>
+          </c:val>
+          <c:extLst>
+            <c:ext xmlns:c16="http://schemas.microsoft.com/office/drawing/2014/chart" uri="{C3380CC4-5D6E-409C-BE32-E72D297353CC}">
+              <c16:uniqueId val="{00000002-8F14-4C60-8E49-A7222A2F8DAD}"/>
+            </c:ext>
+          </c:extLst>
+        </c:ser>
+        <c:ser>
+          <c:idx val="3"/>
+          <c:order val="3"/>
+          <c:tx>
+            <c:strRef>
+              <c:f>Tabelle1!$E$1</c:f>
+              <c:strCache>
+                <c:ptCount val="1"/>
+                <c:pt idx="0">
+                  <c:v>Datenreihe 4</c:v>
+                </c:pt>
+              </c:strCache>
+            </c:strRef>
+          </c:tx>
+          <c:spPr>
+            <a:solidFill>
+              <a:schemeClr val="bg1">
+                <a:lumMod val="65000"/>
+              </a:schemeClr>
+            </a:solidFill>
+            <a:ln>
+              <a:noFill/>
+            </a:ln>
+            <a:effectLst/>
+          </c:spPr>
+          <c:invertIfNegative val="0"/>
+          <c:cat>
+            <c:strRef>
+              <c:f>Tabelle1!$A$2:$A$7</c:f>
+              <c:strCache>
+                <c:ptCount val="6"/>
+                <c:pt idx="0">
+                  <c:v>Motivationsfähigkeit</c:v>
+                </c:pt>
+                <c:pt idx="1">
+                  <c:v>Überzeugungskraft</c:v>
+                </c:pt>
+                <c:pt idx="2">
+                  <c:v>Mitarbeiterorientierung</c:v>
+                </c:pt>
+                <c:pt idx="3">
+                  <c:v>Empathie</c:v>
+                </c:pt>
+                <c:pt idx="4">
+                  <c:v>Emotionale Stabilität</c:v>
+                </c:pt>
+                <c:pt idx="5">
+                  <c:v>Charisma</c:v>
+                </c:pt>
+              </c:strCache>
+            </c:strRef>
+          </c:cat>
+          <c:val>
+            <c:numRef>
+              <c:f>Tabelle1!$E$2:$E$7</c:f>
+              <c:numCache>
+                <c:formatCode>General</c:formatCode>
+                <c:ptCount val="6"/>
+                <c:pt idx="0">
+                  <c:v>2</c:v>
+                </c:pt>
+                <c:pt idx="1">
+                  <c:v>2</c:v>
+                </c:pt>
+                <c:pt idx="2">
+                  <c:v>1</c:v>
+                </c:pt>
+                <c:pt idx="3">
+                  <c:v>3</c:v>
+                </c:pt>
+                <c:pt idx="4">
+                  <c:v>2</c:v>
+                </c:pt>
+                <c:pt idx="5">
+                  <c:v>1</c:v>
+                </c:pt>
+              </c:numCache>
+            </c:numRef>
+          </c:val>
+          <c:extLst>
+            <c:ext xmlns:c16="http://schemas.microsoft.com/office/drawing/2014/chart" uri="{C3380CC4-5D6E-409C-BE32-E72D297353CC}">
+              <c16:uniqueId val="{00000003-8F14-4C60-8E49-A7222A2F8DAD}"/>
+            </c:ext>
+          </c:extLst>
+        </c:ser>
+        <c:ser>
+          <c:idx val="4"/>
+          <c:order val="4"/>
+          <c:tx>
+            <c:strRef>
+              <c:f>Tabelle1!$F$1</c:f>
+              <c:strCache>
+                <c:ptCount val="1"/>
+                <c:pt idx="0">
+                  <c:v>Durchschnitt</c:v>
+                </c:pt>
+              </c:strCache>
+            </c:strRef>
+          </c:tx>
+          <c:spPr>
+            <a:solidFill>
+              <a:srgbClr val="00B0F0"/>
+            </a:solidFill>
+            <a:ln>
+              <a:noFill/>
+            </a:ln>
+            <a:effectLst/>
+          </c:spPr>
+          <c:invertIfNegative val="0"/>
+          <c:cat>
+            <c:strRef>
+              <c:f>Tabelle1!$A$2:$A$7</c:f>
+              <c:strCache>
+                <c:ptCount val="6"/>
+                <c:pt idx="0">
+                  <c:v>Motivationsfähigkeit</c:v>
+                </c:pt>
+                <c:pt idx="1">
+                  <c:v>Überzeugungskraft</c:v>
+                </c:pt>
+                <c:pt idx="2">
+                  <c:v>Mitarbeiterorientierung</c:v>
+                </c:pt>
+                <c:pt idx="3">
+                  <c:v>Empathie</c:v>
+                </c:pt>
+                <c:pt idx="4">
+                  <c:v>Emotionale Stabilität</c:v>
+                </c:pt>
+                <c:pt idx="5">
+                  <c:v>Charisma</c:v>
+                </c:pt>
+              </c:strCache>
+            </c:strRef>
+          </c:cat>
+          <c:val>
+            <c:numRef>
+              <c:f>Tabelle1!$F$2:$F$7</c:f>
+              <c:numCache>
+                <c:formatCode>General</c:formatCode>
+                <c:ptCount val="6"/>
+                <c:pt idx="0">
+                  <c:v>1.25</c:v>
+                </c:pt>
+                <c:pt idx="1">
+                  <c:v>1.75</c:v>
+                </c:pt>
+                <c:pt idx="2">
+                  <c:v>1.75</c:v>
+                </c:pt>
+                <c:pt idx="3">
+                  <c:v>3</c:v>
+                </c:pt>
+                <c:pt idx="4">
+                  <c:v>1.25</c:v>
+                </c:pt>
+                <c:pt idx="5">
+                  <c:v>1.75</c:v>
+                </c:pt>
+              </c:numCache>
+            </c:numRef>
+          </c:val>
+          <c:extLst>
+            <c:ext xmlns:c16="http://schemas.microsoft.com/office/drawing/2014/chart" uri="{C3380CC4-5D6E-409C-BE32-E72D297353CC}">
+              <c16:uniqueId val="{00000004-8F14-4C60-8E49-A7222A2F8DAD}"/>
+            </c:ext>
+          </c:extLst>
+        </c:ser>
+        <c:dLbls>
+          <c:showLegendKey val="0"/>
+          <c:showVal val="0"/>
+          <c:showCatName val="0"/>
+          <c:showSerName val="0"/>
+          <c:showPercent val="0"/>
+          <c:showBubbleSize val="0"/>
+        </c:dLbls>
+        <c:gapWidth val="219"/>
+        <c:overlap val="-27"/>
+        <c:axId val="257386456"/>
+        <c:axId val="257381360"/>
+      </c:barChart>
+      <c:catAx>
+        <c:axId val="257386456"/>
+        <c:scaling>
+          <c:orientation val="minMax"/>
+        </c:scaling>
+        <c:delete val="0"/>
+        <c:axPos val="b"/>
+        <c:numFmt formatCode="General" sourceLinked="1"/>
+        <c:majorTickMark val="none"/>
+        <c:minorTickMark val="none"/>
+        <c:tickLblPos val="nextTo"/>
+        <c:spPr>
+          <a:noFill/>
+          <a:ln w="9525" cap="flat" cmpd="sng" algn="ctr">
+            <a:solidFill>
+              <a:schemeClr val="tx1">
+                <a:lumMod val="15000"/>
+                <a:lumOff val="85000"/>
+              </a:schemeClr>
+            </a:solidFill>
+            <a:round/>
+          </a:ln>
+          <a:effectLst/>
+        </c:spPr>
+        <c:txPr>
+          <a:bodyPr rot="-60000000" spcFirstLastPara="1" vertOverflow="ellipsis" vert="horz" wrap="square" anchor="ctr" anchorCtr="1"/>
+          <a:lstStyle/>
+          <a:p>
+            <a:pPr>
+              <a:defRPr sz="1197" b="0" i="0" u="none" strike="noStrike" kern="1200" baseline="0">
+                <a:solidFill>
+                  <a:schemeClr val="tx1">
+                    <a:lumMod val="65000"/>
+                    <a:lumOff val="35000"/>
+                  </a:schemeClr>
+                </a:solidFill>
+                <a:latin typeface="+mn-lt"/>
+                <a:ea typeface="+mn-ea"/>
+                <a:cs typeface="+mn-cs"/>
+              </a:defRPr>
+            </a:pPr>
+            <a:endParaRPr lang="de-DE"/>
+          </a:p>
+        </c:txPr>
+        <c:crossAx val="257381360"/>
+        <c:crosses val="autoZero"/>
+        <c:auto val="1"/>
+        <c:lblAlgn val="ctr"/>
+        <c:lblOffset val="100"/>
+        <c:noMultiLvlLbl val="0"/>
+      </c:catAx>
+      <c:valAx>
+        <c:axId val="257381360"/>
+        <c:scaling>
+          <c:orientation val="minMax"/>
+          <c:max val="5"/>
+        </c:scaling>
+        <c:delete val="0"/>
+        <c:axPos val="l"/>
+        <c:majorGridlines>
+          <c:spPr>
+            <a:ln w="9525" cap="flat" cmpd="sng" algn="ctr">
+              <a:solidFill>
+                <a:schemeClr val="bg1">
+                  <a:lumMod val="65000"/>
+                </a:schemeClr>
+              </a:solidFill>
+              <a:round/>
+            </a:ln>
+            <a:effectLst/>
+          </c:spPr>
+        </c:majorGridlines>
+        <c:numFmt formatCode="General" sourceLinked="1"/>
+        <c:majorTickMark val="none"/>
+        <c:minorTickMark val="none"/>
+        <c:tickLblPos val="nextTo"/>
+        <c:spPr>
+          <a:noFill/>
+          <a:ln>
+            <a:noFill/>
+          </a:ln>
+          <a:effectLst/>
+        </c:spPr>
+        <c:txPr>
+          <a:bodyPr rot="-60000000" spcFirstLastPara="1" vertOverflow="ellipsis" vert="horz" wrap="square" anchor="ctr" anchorCtr="1"/>
+          <a:lstStyle/>
+          <a:p>
+            <a:pPr>
+              <a:defRPr sz="1197" b="0" i="0" u="none" strike="noStrike" kern="1200" baseline="0">
+                <a:solidFill>
+                  <a:schemeClr val="tx1">
+                    <a:lumMod val="65000"/>
+                    <a:lumOff val="35000"/>
+                  </a:schemeClr>
+                </a:solidFill>
+                <a:latin typeface="+mn-lt"/>
+                <a:ea typeface="+mn-ea"/>
+                <a:cs typeface="+mn-cs"/>
+              </a:defRPr>
+            </a:pPr>
+            <a:endParaRPr lang="de-DE"/>
+          </a:p>
+        </c:txPr>
+        <c:crossAx val="257386456"/>
+        <c:crosses val="autoZero"/>
+        <c:crossBetween val="between"/>
+      </c:valAx>
+      <c:spPr>
+        <a:noFill/>
+        <a:ln>
+          <a:noFill/>
+        </a:ln>
+        <a:effectLst/>
+      </c:spPr>
+    </c:plotArea>
+    <c:legend>
+      <c:legendPos val="b"/>
+      <c:overlay val="0"/>
+      <c:spPr>
+        <a:noFill/>
+        <a:ln>
+          <a:noFill/>
+        </a:ln>
+        <a:effectLst/>
+      </c:spPr>
+      <c:txPr>
+        <a:bodyPr rot="0" spcFirstLastPara="1" vertOverflow="ellipsis" vert="horz" wrap="square" anchor="ctr" anchorCtr="1"/>
+        <a:lstStyle/>
+        <a:p>
+          <a:pPr>
+            <a:defRPr sz="1197" b="0" i="0" u="none" strike="noStrike" kern="1200" baseline="0">
+              <a:solidFill>
+                <a:schemeClr val="tx1">
+                  <a:lumMod val="65000"/>
+                  <a:lumOff val="35000"/>
+                </a:schemeClr>
+              </a:solidFill>
+              <a:latin typeface="+mn-lt"/>
+              <a:ea typeface="+mn-ea"/>
+              <a:cs typeface="+mn-cs"/>
+            </a:defRPr>
+          </a:pPr>
+          <a:endParaRPr lang="de-DE"/>
+        </a:p>
+      </c:txPr>
+    </c:legend>
+    <c:plotVisOnly val="1"/>
+    <c:dispBlanksAs val="gap"/>
+    <c:showDLblsOverMax val="0"/>
+  </c:chart>
+  <c:spPr>
+    <a:noFill/>
+    <a:ln>
+      <a:noFill/>
+    </a:ln>
+    <a:effectLst/>
+  </c:spPr>
+  <c:txPr>
+    <a:bodyPr/>
+    <a:lstStyle/>
+    <a:p>
+      <a:pPr>
+        <a:defRPr/>
+      </a:pPr>
+      <a:endParaRPr lang="de-DE"/>
+    </a:p>
+  </c:txPr>
+  <c:externalData r:id="rId3">
+    <c:autoUpdate val="0"/>
+  </c:externalData>
+</c:chartSpace>
+</file>
+
+<file path=ppt/charts/chart4.xml><?xml version="1.0" encoding="utf-8"?>
+<c:chartSpace xmlns:c="http://schemas.openxmlformats.org/drawingml/2006/chart" xmlns:a="http://schemas.openxmlformats.org/drawingml/2006/main" xmlns:r="http://schemas.openxmlformats.org/officeDocument/2006/relationships" xmlns:c16r2="http://schemas.microsoft.com/office/drawing/2015/06/chart">
+  <c:date1904 val="0"/>
+  <c:lang val="de-DE"/>
+  <c:roundedCorners val="0"/>
+  <mc:AlternateContent xmlns:mc="http://schemas.openxmlformats.org/markup-compatibility/2006">
+    <mc:Choice xmlns:c14="http://schemas.microsoft.com/office/drawing/2007/8/2/chart" Requires="c14">
+      <c14:style val="102"/>
+    </mc:Choice>
+    <mc:Fallback>
+      <c:style val="2"/>
+    </mc:Fallback>
+  </mc:AlternateContent>
+  <c:chart>
+    <c:autoTitleDeleted val="1"/>
+    <c:plotArea>
+      <c:layout/>
+      <c:barChart>
+        <c:barDir val="col"/>
+        <c:grouping val="clustered"/>
+        <c:varyColors val="0"/>
+        <c:ser>
+          <c:idx val="0"/>
+          <c:order val="0"/>
+          <c:tx>
+            <c:strRef>
+              <c:f>Tabelle1!$B$1</c:f>
+              <c:strCache>
+                <c:ptCount val="1"/>
+                <c:pt idx="0">
+                  <c:v>Zielausrichtung</c:v>
+                </c:pt>
+              </c:strCache>
+            </c:strRef>
+          </c:tx>
+          <c:spPr>
+            <a:solidFill>
+              <a:schemeClr val="accent1"/>
+            </a:solidFill>
+            <a:ln>
+              <a:noFill/>
+            </a:ln>
+            <a:effectLst/>
+          </c:spPr>
+          <c:invertIfNegative val="0"/>
+          <c:dPt>
+            <c:idx val="0"/>
+            <c:invertIfNegative val="0"/>
+            <c:bubble3D val="0"/>
+            <c:spPr>
+              <a:solidFill>
+                <a:srgbClr val="FF0000"/>
+              </a:solidFill>
+              <a:ln>
+                <a:noFill/>
+              </a:ln>
+              <a:effectLst/>
+            </c:spPr>
+            <c:extLst>
+              <c:ext xmlns:c16="http://schemas.microsoft.com/office/drawing/2014/chart" uri="{C3380CC4-5D6E-409C-BE32-E72D297353CC}">
+                <c16:uniqueId val="{00000001-25A4-4FA7-A9B0-7AB83A904B5D}"/>
+              </c:ext>
+            </c:extLst>
+          </c:dPt>
+          <c:cat>
+            <c:strRef>
+              <c:f>Tabelle1!$A$2</c:f>
+              <c:strCache>
+                <c:ptCount val="1"/>
+                <c:pt idx="0">
+                  <c:v>Kategorie 1</c:v>
+                </c:pt>
+              </c:strCache>
+            </c:strRef>
+          </c:cat>
+          <c:val>
+            <c:numRef>
+              <c:f>Tabelle1!$B$2</c:f>
+              <c:numCache>
+                <c:formatCode>General</c:formatCode>
+                <c:ptCount val="1"/>
+                <c:pt idx="0">
+                  <c:v>2</c:v>
+                </c:pt>
+              </c:numCache>
+            </c:numRef>
+          </c:val>
+          <c:extLst>
+            <c:ext xmlns:c16="http://schemas.microsoft.com/office/drawing/2014/chart" uri="{C3380CC4-5D6E-409C-BE32-E72D297353CC}">
+              <c16:uniqueId val="{00000002-25A4-4FA7-A9B0-7AB83A904B5D}"/>
+            </c:ext>
+          </c:extLst>
+        </c:ser>
+        <c:ser>
+          <c:idx val="1"/>
+          <c:order val="1"/>
+          <c:tx>
+            <c:strRef>
+              <c:f>Tabelle1!$C$1</c:f>
+              <c:strCache>
+                <c:ptCount val="1"/>
+                <c:pt idx="0">
+                  <c:v>Planung und Organisation</c:v>
+                </c:pt>
+              </c:strCache>
+            </c:strRef>
+          </c:tx>
+          <c:spPr>
+            <a:solidFill>
+              <a:srgbClr val="00B050"/>
+            </a:solidFill>
+            <a:ln>
+              <a:noFill/>
+            </a:ln>
+            <a:effectLst/>
+          </c:spPr>
+          <c:invertIfNegative val="0"/>
+          <c:cat>
+            <c:strRef>
+              <c:f>Tabelle1!$A$2</c:f>
+              <c:strCache>
+                <c:ptCount val="1"/>
+                <c:pt idx="0">
+                  <c:v>Kategorie 1</c:v>
+                </c:pt>
+              </c:strCache>
+            </c:strRef>
+          </c:cat>
+          <c:val>
+            <c:numRef>
+              <c:f>Tabelle1!$C$2</c:f>
+              <c:numCache>
+                <c:formatCode>General</c:formatCode>
+                <c:ptCount val="1"/>
+                <c:pt idx="0">
+                  <c:v>2.2000000000000002</c:v>
+                </c:pt>
+              </c:numCache>
+            </c:numRef>
+          </c:val>
+          <c:extLst>
+            <c:ext xmlns:c16="http://schemas.microsoft.com/office/drawing/2014/chart" uri="{C3380CC4-5D6E-409C-BE32-E72D297353CC}">
+              <c16:uniqueId val="{00000003-25A4-4FA7-A9B0-7AB83A904B5D}"/>
+            </c:ext>
+          </c:extLst>
+        </c:ser>
+        <c:ser>
+          <c:idx val="2"/>
+          <c:order val="2"/>
+          <c:tx>
+            <c:strRef>
+              <c:f>Tabelle1!$D$1</c:f>
+              <c:strCache>
+                <c:ptCount val="1"/>
+                <c:pt idx="0">
+                  <c:v>Sozialkompetenz und Verhalten</c:v>
+                </c:pt>
+              </c:strCache>
+            </c:strRef>
+          </c:tx>
+          <c:spPr>
+            <a:solidFill>
+              <a:srgbClr val="00B0F0"/>
+            </a:solidFill>
+            <a:ln>
+              <a:noFill/>
+            </a:ln>
+            <a:effectLst/>
+          </c:spPr>
+          <c:invertIfNegative val="0"/>
+          <c:cat>
+            <c:strRef>
+              <c:f>Tabelle1!$A$2</c:f>
+              <c:strCache>
+                <c:ptCount val="1"/>
+                <c:pt idx="0">
+                  <c:v>Kategorie 1</c:v>
+                </c:pt>
+              </c:strCache>
+            </c:strRef>
+          </c:cat>
+          <c:val>
+            <c:numRef>
+              <c:f>Tabelle1!$D$2</c:f>
+              <c:numCache>
+                <c:formatCode>General</c:formatCode>
+                <c:ptCount val="1"/>
+                <c:pt idx="0">
+                  <c:v>1.8</c:v>
+                </c:pt>
+              </c:numCache>
+            </c:numRef>
+          </c:val>
+          <c:extLst>
+            <c:ext xmlns:c16="http://schemas.microsoft.com/office/drawing/2014/chart" uri="{C3380CC4-5D6E-409C-BE32-E72D297353CC}">
+              <c16:uniqueId val="{00000004-25A4-4FA7-A9B0-7AB83A904B5D}"/>
+            </c:ext>
+          </c:extLst>
+        </c:ser>
+        <c:dLbls>
+          <c:showLegendKey val="0"/>
+          <c:showVal val="0"/>
+          <c:showCatName val="0"/>
+          <c:showSerName val="0"/>
+          <c:showPercent val="0"/>
+          <c:showBubbleSize val="0"/>
+        </c:dLbls>
+        <c:gapWidth val="219"/>
+        <c:overlap val="-27"/>
+        <c:axId val="298428192"/>
+        <c:axId val="298428584"/>
+      </c:barChart>
+      <c:catAx>
+        <c:axId val="298428192"/>
+        <c:scaling>
+          <c:orientation val="minMax"/>
+        </c:scaling>
+        <c:delete val="1"/>
+        <c:axPos val="b"/>
+        <c:numFmt formatCode="General" sourceLinked="1"/>
+        <c:majorTickMark val="out"/>
+        <c:minorTickMark val="none"/>
+        <c:tickLblPos val="nextTo"/>
+        <c:crossAx val="298428584"/>
+        <c:crosses val="autoZero"/>
+        <c:auto val="1"/>
+        <c:lblAlgn val="ctr"/>
+        <c:lblOffset val="100"/>
+        <c:noMultiLvlLbl val="0"/>
+      </c:catAx>
+      <c:valAx>
+        <c:axId val="298428584"/>
+        <c:scaling>
+          <c:orientation val="minMax"/>
+          <c:max val="5"/>
+        </c:scaling>
+        <c:delete val="0"/>
+        <c:axPos val="l"/>
+        <c:majorGridlines>
+          <c:spPr>
+            <a:ln w="9525" cap="flat" cmpd="sng" algn="ctr">
+              <a:solidFill>
+                <a:schemeClr val="bg1">
+                  <a:lumMod val="65000"/>
+                </a:schemeClr>
+              </a:solidFill>
+              <a:round/>
+            </a:ln>
+            <a:effectLst/>
+          </c:spPr>
+        </c:majorGridlines>
+        <c:numFmt formatCode="General" sourceLinked="1"/>
+        <c:majorTickMark val="out"/>
+        <c:minorTickMark val="none"/>
+        <c:tickLblPos val="nextTo"/>
+        <c:spPr>
+          <a:noFill/>
+          <a:ln>
+            <a:noFill/>
+          </a:ln>
+          <a:effectLst/>
+        </c:spPr>
+        <c:txPr>
+          <a:bodyPr rot="-60000000" spcFirstLastPara="1" vertOverflow="ellipsis" vert="horz" wrap="square" anchor="ctr" anchorCtr="1"/>
+          <a:lstStyle/>
+          <a:p>
+            <a:pPr>
+              <a:defRPr sz="1197" b="0" i="0" u="none" strike="noStrike" kern="1200" baseline="0">
+                <a:solidFill>
+                  <a:schemeClr val="tx1">
+                    <a:lumMod val="65000"/>
+                    <a:lumOff val="35000"/>
+                  </a:schemeClr>
+                </a:solidFill>
+                <a:latin typeface="+mn-lt"/>
+                <a:ea typeface="+mn-ea"/>
+                <a:cs typeface="+mn-cs"/>
+              </a:defRPr>
+            </a:pPr>
+            <a:endParaRPr lang="de-DE"/>
+          </a:p>
+        </c:txPr>
+        <c:crossAx val="298428192"/>
+        <c:crosses val="autoZero"/>
+        <c:crossBetween val="between"/>
+      </c:valAx>
+      <c:spPr>
+        <a:noFill/>
+        <a:ln>
+          <a:noFill/>
+        </a:ln>
+        <a:effectLst/>
+      </c:spPr>
+    </c:plotArea>
+    <c:legend>
+      <c:legendPos val="b"/>
+      <c:overlay val="0"/>
+      <c:spPr>
+        <a:noFill/>
+        <a:ln>
+          <a:noFill/>
+        </a:ln>
+        <a:effectLst/>
+      </c:spPr>
+      <c:txPr>
+        <a:bodyPr rot="0" spcFirstLastPara="1" vertOverflow="ellipsis" vert="horz" wrap="square" anchor="ctr" anchorCtr="1"/>
+        <a:lstStyle/>
+        <a:p>
+          <a:pPr>
+            <a:defRPr sz="1197" b="0" i="0" u="none" strike="noStrike" kern="1200" baseline="0">
+              <a:solidFill>
+                <a:schemeClr val="tx1">
+                  <a:lumMod val="65000"/>
+                  <a:lumOff val="35000"/>
+                </a:schemeClr>
+              </a:solidFill>
+              <a:latin typeface="+mn-lt"/>
+              <a:ea typeface="+mn-ea"/>
+              <a:cs typeface="+mn-cs"/>
+            </a:defRPr>
+          </a:pPr>
+          <a:endParaRPr lang="de-DE"/>
+        </a:p>
+      </c:txPr>
+    </c:legend>
+    <c:plotVisOnly val="1"/>
+    <c:dispBlanksAs val="gap"/>
+    <c:showDLblsOverMax val="0"/>
+  </c:chart>
+  <c:spPr>
+    <a:noFill/>
+    <a:ln>
+      <a:noFill/>
+    </a:ln>
+    <a:effectLst/>
+  </c:spPr>
+  <c:txPr>
+    <a:bodyPr/>
+    <a:lstStyle/>
+    <a:p>
+      <a:pPr>
+        <a:defRPr/>
+      </a:pPr>
+      <a:endParaRPr lang="de-DE"/>
+    </a:p>
+  </c:txPr>
+  <c:externalData r:id="rId3">
+    <c:autoUpdate val="0"/>
+  </c:externalData>
+</c:chartSpace>
+</file>
+
+<file path=ppt/charts/colors1.xml><?xml version="1.0" encoding="utf-8"?>
+<cs:colorStyle xmlns:cs="http://schemas.microsoft.com/office/drawing/2012/chartStyle" xmlns:a="http://schemas.openxmlformats.org/drawingml/2006/main" meth="cycle" id="10">
+  <a:schemeClr val="accent1"/>
+  <a:schemeClr val="accent2"/>
+  <a:schemeClr val="accent3"/>
+  <a:schemeClr val="accent4"/>
+  <a:schemeClr val="accent5"/>
+  <a:schemeClr val="accent6"/>
+  <cs:variation/>
+  <cs:variation>
+    <a:lumMod val="60000"/>
+  </cs:variation>
+  <cs:variation>
+    <a:lumMod val="80000"/>
+    <a:lumOff val="20000"/>
+  </cs:variation>
+  <cs:variation>
+    <a:lumMod val="80000"/>
+  </cs:variation>
+  <cs:variation>
+    <a:lumMod val="60000"/>
+    <a:lumOff val="40000"/>
+  </cs:variation>
+  <cs:variation>
+    <a:lumMod val="50000"/>
+  </cs:variation>
+  <cs:variation>
+    <a:lumMod val="70000"/>
+    <a:lumOff val="30000"/>
+  </cs:variation>
+  <cs:variation>
+    <a:lumMod val="70000"/>
+  </cs:variation>
+  <cs:variation>
+    <a:lumMod val="50000"/>
+    <a:lumOff val="50000"/>
+  </cs:variation>
+</cs:colorStyle>
+</file>
+
+<file path=ppt/charts/colors2.xml><?xml version="1.0" encoding="utf-8"?>
+<cs:colorStyle xmlns:cs="http://schemas.microsoft.com/office/drawing/2012/chartStyle" xmlns:a="http://schemas.openxmlformats.org/drawingml/2006/main" meth="cycle" id="10">
+  <a:schemeClr val="accent1"/>
+  <a:schemeClr val="accent2"/>
+  <a:schemeClr val="accent3"/>
+  <a:schemeClr val="accent4"/>
+  <a:schemeClr val="accent5"/>
+  <a:schemeClr val="accent6"/>
+  <cs:variation/>
+  <cs:variation>
+    <a:lumMod val="60000"/>
+  </cs:variation>
+  <cs:variation>
+    <a:lumMod val="80000"/>
+    <a:lumOff val="20000"/>
+  </cs:variation>
+  <cs:variation>
+    <a:lumMod val="80000"/>
+  </cs:variation>
+  <cs:variation>
+    <a:lumMod val="60000"/>
+    <a:lumOff val="40000"/>
+  </cs:variation>
+  <cs:variation>
+    <a:lumMod val="50000"/>
+  </cs:variation>
+  <cs:variation>
+    <a:lumMod val="70000"/>
+    <a:lumOff val="30000"/>
+  </cs:variation>
+  <cs:variation>
+    <a:lumMod val="70000"/>
+  </cs:variation>
+  <cs:variation>
+    <a:lumMod val="50000"/>
+    <a:lumOff val="50000"/>
+  </cs:variation>
+</cs:colorStyle>
+</file>
+
+<file path=ppt/charts/colors3.xml><?xml version="1.0" encoding="utf-8"?>
+<cs:colorStyle xmlns:cs="http://schemas.microsoft.com/office/drawing/2012/chartStyle" xmlns:a="http://schemas.openxmlformats.org/drawingml/2006/main" meth="cycle" id="10">
+  <a:schemeClr val="accent1"/>
+  <a:schemeClr val="accent2"/>
+  <a:schemeClr val="accent3"/>
+  <a:schemeClr val="accent4"/>
+  <a:schemeClr val="accent5"/>
+  <a:schemeClr val="accent6"/>
+  <cs:variation/>
+  <cs:variation>
+    <a:lumMod val="60000"/>
+  </cs:variation>
+  <cs:variation>
+    <a:lumMod val="80000"/>
+    <a:lumOff val="20000"/>
+  </cs:variation>
+  <cs:variation>
+    <a:lumMod val="80000"/>
+  </cs:variation>
+  <cs:variation>
+    <a:lumMod val="60000"/>
+    <a:lumOff val="40000"/>
+  </cs:variation>
+  <cs:variation>
+    <a:lumMod val="50000"/>
+  </cs:variation>
+  <cs:variation>
+    <a:lumMod val="70000"/>
+    <a:lumOff val="30000"/>
+  </cs:variation>
+  <cs:variation>
+    <a:lumMod val="70000"/>
+  </cs:variation>
+  <cs:variation>
+    <a:lumMod val="50000"/>
+    <a:lumOff val="50000"/>
+  </cs:variation>
+</cs:colorStyle>
+</file>
+
+<file path=ppt/charts/colors4.xml><?xml version="1.0" encoding="utf-8"?>
+<cs:colorStyle xmlns:cs="http://schemas.microsoft.com/office/drawing/2012/chartStyle" xmlns:a="http://schemas.openxmlformats.org/drawingml/2006/main" meth="cycle" id="10">
+  <a:schemeClr val="accent1"/>
+  <a:schemeClr val="accent2"/>
+  <a:schemeClr val="accent3"/>
+  <a:schemeClr val="accent4"/>
+  <a:schemeClr val="accent5"/>
+  <a:schemeClr val="accent6"/>
+  <cs:variation/>
+  <cs:variation>
+    <a:lumMod val="60000"/>
+  </cs:variation>
+  <cs:variation>
+    <a:lumMod val="80000"/>
+    <a:lumOff val="20000"/>
+  </cs:variation>
+  <cs:variation>
+    <a:lumMod val="80000"/>
+  </cs:variation>
+  <cs:variation>
+    <a:lumMod val="60000"/>
+    <a:lumOff val="40000"/>
+  </cs:variation>
+  <cs:variation>
+    <a:lumMod val="50000"/>
+  </cs:variation>
+  <cs:variation>
+    <a:lumMod val="70000"/>
+    <a:lumOff val="30000"/>
+  </cs:variation>
+  <cs:variation>
+    <a:lumMod val="70000"/>
+  </cs:variation>
+  <cs:variation>
+    <a:lumMod val="50000"/>
+    <a:lumOff val="50000"/>
+  </cs:variation>
+</cs:colorStyle>
+</file>
+
+<file path=ppt/charts/style1.xml><?xml version="1.0" encoding="utf-8"?>
+<cs:chartStyle xmlns:cs="http://schemas.microsoft.com/office/drawing/2012/chartStyle" xmlns:a="http://schemas.openxmlformats.org/drawingml/2006/main" id="201">
+  <cs:axisTitle>
+    <cs:lnRef idx="0"/>
+    <cs:fillRef idx="0"/>
+    <cs:effectRef idx="0"/>
+    <cs:fontRef idx="minor">
+      <a:schemeClr val="tx1">
+        <a:lumMod val="65000"/>
+        <a:lumOff val="35000"/>
+      </a:schemeClr>
+    </cs:fontRef>
+    <cs:defRPr sz="1330" kern="1200"/>
+  </cs:axisTitle>
+  <cs:categoryAxis>
+    <cs:lnRef idx="0"/>
+    <cs:fillRef idx="0"/>
+    <cs:effectRef idx="0"/>
+    <cs:fontRef idx="minor">
+      <a:schemeClr val="tx1">
+        <a:lumMod val="65000"/>
+        <a:lumOff val="35000"/>
+      </a:schemeClr>
+    </cs:fontRef>
+    <cs:spPr>
+      <a:ln w="9525" cap="flat" cmpd="sng" algn="ctr">
+        <a:solidFill>
+          <a:schemeClr val="tx1">
+            <a:lumMod val="15000"/>
+            <a:lumOff val="85000"/>
+          </a:schemeClr>
+        </a:solidFill>
+        <a:round/>
+      </a:ln>
+    </cs:spPr>
+    <cs:defRPr sz="1197" kern="1200"/>
+  </cs:categoryAxis>
+  <cs:chartArea mods="allowNoFillOverride allowNoLineOverride">
+    <cs:lnRef idx="0"/>
+    <cs:fillRef idx="0"/>
+    <cs:effectRef idx="0"/>
+    <cs:fontRef idx="minor">
+      <a:schemeClr val="tx1"/>
+    </cs:fontRef>
+    <cs:spPr>
+      <a:solidFill>
+        <a:schemeClr val="bg1"/>
+      </a:solidFill>
+      <a:ln w="9525" cap="flat" cmpd="sng" algn="ctr">
+        <a:solidFill>
+          <a:schemeClr val="tx1">
+            <a:lumMod val="15000"/>
+            <a:lumOff val="85000"/>
+          </a:schemeClr>
+        </a:solidFill>
+        <a:round/>
+      </a:ln>
+    </cs:spPr>
+    <cs:defRPr sz="1330" kern="1200"/>
+  </cs:chartArea>
+  <cs:dataLabel>
+    <cs:lnRef idx="0"/>
+    <cs:fillRef idx="0"/>
+    <cs:effectRef idx="0"/>
+    <cs:fontRef idx="minor">
+      <a:schemeClr val="tx1">
+        <a:lumMod val="75000"/>
+        <a:lumOff val="25000"/>
+      </a:schemeClr>
+    </cs:fontRef>
+    <cs:defRPr sz="1197" kern="1200"/>
+  </cs:dataLabel>
+  <cs:dataLabelCallout>
+    <cs:lnRef idx="0"/>
+    <cs:fillRef idx="0"/>
+    <cs:effectRef idx="0"/>
+    <cs:fontRef idx="minor">
+      <a:schemeClr val="dk1">
+        <a:lumMod val="65000"/>
+        <a:lumOff val="35000"/>
+      </a:schemeClr>
+    </cs:fontRef>
+    <cs:spPr>
+      <a:solidFill>
+        <a:schemeClr val="lt1"/>
+      </a:solidFill>
+      <a:ln>
+        <a:solidFill>
+          <a:schemeClr val="dk1">
+            <a:lumMod val="25000"/>
+            <a:lumOff val="75000"/>
+          </a:schemeClr>
+        </a:solidFill>
+      </a:ln>
+    </cs:spPr>
+    <cs:defRPr sz="1197" kern="1200"/>
+    <cs:bodyPr rot="0" spcFirstLastPara="1" vertOverflow="clip" horzOverflow="clip" vert="horz" wrap="square" lIns="36576" tIns="18288" rIns="36576" bIns="18288" anchor="ctr" anchorCtr="1">
+      <a:spAutoFit/>
+    </cs:bodyPr>
+  </cs:dataLabelCallout>
+  <cs:dataPoint>
+    <cs:lnRef idx="0"/>
+    <cs:fillRef idx="1">
+      <cs:styleClr val="auto"/>
+    </cs:fillRef>
+    <cs:effectRef idx="0"/>
+    <cs:fontRef idx="minor">
+      <a:schemeClr val="tx1"/>
+    </cs:fontRef>
+  </cs:dataPoint>
+  <cs:dataPoint3D>
+    <cs:lnRef idx="0"/>
+    <cs:fillRef idx="1">
+      <cs:styleClr val="auto"/>
+    </cs:fillRef>
+    <cs:effectRef idx="0"/>
+    <cs:fontRef idx="minor">
+      <a:schemeClr val="tx1"/>
+    </cs:fontRef>
+  </cs:dataPoint3D>
+  <cs:dataPointLine>
+    <cs:lnRef idx="0">
+      <cs:styleClr val="auto"/>
+    </cs:lnRef>
+    <cs:fillRef idx="1"/>
+    <cs:effectRef idx="0"/>
+    <cs:fontRef idx="minor">
+      <a:schemeClr val="tx1"/>
+    </cs:fontRef>
+    <cs:spPr>
+      <a:ln w="28575" cap="rnd">
+        <a:solidFill>
+          <a:schemeClr val="phClr"/>
+        </a:solidFill>
+        <a:round/>
+      </a:ln>
+    </cs:spPr>
+  </cs:dataPointLine>
+  <cs:dataPointMarker>
+    <cs:lnRef idx="0">
+      <cs:styleClr val="auto"/>
+    </cs:lnRef>
+    <cs:fillRef idx="1">
+      <cs:styleClr val="auto"/>
+    </cs:fillRef>
+    <cs:effectRef idx="0"/>
+    <cs:fontRef idx="minor">
+      <a:schemeClr val="tx1"/>
+    </cs:fontRef>
+    <cs:spPr>
+      <a:ln w="9525">
+        <a:solidFill>
+          <a:schemeClr val="phClr"/>
+        </a:solidFill>
+      </a:ln>
+    </cs:spPr>
+  </cs:dataPointMarker>
+  <cs:dataPointMarkerLayout symbol="circle" size="5"/>
+  <cs:dataPointWireframe>
+    <cs:lnRef idx="0">
+      <cs:styleClr val="auto"/>
+    </cs:lnRef>
+    <cs:fillRef idx="1"/>
+    <cs:effectRef idx="0"/>
+    <cs:fontRef idx="minor">
+      <a:schemeClr val="tx1"/>
+    </cs:fontRef>
+    <cs:spPr>
+      <a:ln w="9525" cap="rnd">
+        <a:solidFill>
+          <a:schemeClr val="phClr"/>
+        </a:solidFill>
+        <a:round/>
+      </a:ln>
+    </cs:spPr>
+  </cs:dataPointWireframe>
+  <cs:dataTable>
+    <cs:lnRef idx="0"/>
+    <cs:fillRef idx="0"/>
+    <cs:effectRef idx="0"/>
+    <cs:fontRef idx="minor">
+      <a:schemeClr val="tx1">
+        <a:lumMod val="65000"/>
+        <a:lumOff val="35000"/>
+      </a:schemeClr>
+    </cs:fontRef>
+    <cs:spPr>
+      <a:noFill/>
+      <a:ln w="9525" cap="flat" cmpd="sng" algn="ctr">
+        <a:solidFill>
+          <a:schemeClr val="tx1">
+            <a:lumMod val="15000"/>
+            <a:lumOff val="85000"/>
+          </a:schemeClr>
+        </a:solidFill>
+        <a:round/>
+      </a:ln>
+    </cs:spPr>
+    <cs:defRPr sz="1197" kern="1200"/>
+  </cs:dataTable>
+  <cs:downBar>
+    <cs:lnRef idx="0"/>
+    <cs:fillRef idx="0"/>
+    <cs:effectRef idx="0"/>
+    <cs:fontRef idx="minor">
+      <a:schemeClr val="dk1"/>
+    </cs:fontRef>
+    <cs:spPr>
+      <a:solidFill>
+        <a:schemeClr val="dk1">
+          <a:lumMod val="65000"/>
+          <a:lumOff val="35000"/>
+        </a:schemeClr>
+      </a:solidFill>
+      <a:ln w="9525">
+        <a:solidFill>
+          <a:schemeClr val="tx1">
+            <a:lumMod val="65000"/>
+            <a:lumOff val="35000"/>
+          </a:schemeClr>
+        </a:solidFill>
+      </a:ln>
+    </cs:spPr>
+  </cs:downBar>
+  <cs:dropLine>
+    <cs:lnRef idx="0"/>
+    <cs:fillRef idx="0"/>
+    <cs:effectRef idx="0"/>
+    <cs:fontRef idx="minor">
+      <a:schemeClr val="tx1"/>
+    </cs:fontRef>
+    <cs:spPr>
+      <a:ln w="9525" cap="flat" cmpd="sng" algn="ctr">
+        <a:solidFill>
+          <a:schemeClr val="tx1">
+            <a:lumMod val="35000"/>
+            <a:lumOff val="65000"/>
+          </a:schemeClr>
+        </a:solidFill>
+        <a:round/>
+      </a:ln>
+    </cs:spPr>
+  </cs:dropLine>
+  <cs:errorBar>
+    <cs:lnRef idx="0"/>
+    <cs:fillRef idx="0"/>
+    <cs:effectRef idx="0"/>
+    <cs:fontRef idx="minor">
+      <a:schemeClr val="tx1"/>
+    </cs:fontRef>
+    <cs:spPr>
+      <a:ln w="9525" cap="flat" cmpd="sng" algn="ctr">
+        <a:solidFill>
+          <a:schemeClr val="tx1">
+            <a:lumMod val="65000"/>
+            <a:lumOff val="35000"/>
+          </a:schemeClr>
+        </a:solidFill>
+        <a:round/>
+      </a:ln>
+    </cs:spPr>
+  </cs:errorBar>
+  <cs:floor>
+    <cs:lnRef idx="0"/>
+    <cs:fillRef idx="0"/>
+    <cs:effectRef idx="0"/>
+    <cs:fontRef idx="minor">
+      <a:schemeClr val="tx1"/>
+    </cs:fontRef>
+    <cs:spPr>
+      <a:noFill/>
+      <a:ln>
+        <a:noFill/>
+      </a:ln>
+    </cs:spPr>
+  </cs:floor>
+  <cs:gridlineMajor>
+    <cs:lnRef idx="0"/>
+    <cs:fillRef idx="0"/>
+    <cs:effectRef idx="0"/>
+    <cs:fontRef idx="minor">
+      <a:schemeClr val="tx1"/>
+    </cs:fontRef>
+    <cs:spPr>
+      <a:ln w="9525" cap="flat" cmpd="sng" algn="ctr">
+        <a:solidFill>
+          <a:schemeClr val="tx1">
+            <a:lumMod val="15000"/>
+            <a:lumOff val="85000"/>
+          </a:schemeClr>
+        </a:solidFill>
+        <a:round/>
+      </a:ln>
+    </cs:spPr>
+  </cs:gridlineMajor>
+  <cs:gridlineMinor>
+    <cs:lnRef idx="0"/>
+    <cs:fillRef idx="0"/>
+    <cs:effectRef idx="0"/>
+    <cs:fontRef idx="minor">
+      <a:schemeClr val="tx1"/>
+    </cs:fontRef>
+    <cs:spPr>
+      <a:ln w="9525" cap="flat" cmpd="sng" algn="ctr">
+        <a:solidFill>
+          <a:schemeClr val="tx1">
+            <a:lumMod val="5000"/>
+            <a:lumOff val="95000"/>
+          </a:schemeClr>
+        </a:solidFill>
+        <a:round/>
+      </a:ln>
+    </cs:spPr>
+  </cs:gridlineMinor>
+  <cs:hiLoLine>
+    <cs:lnRef idx="0"/>
+    <cs:fillRef idx="0"/>
+    <cs:effectRef idx="0"/>
+    <cs:fontRef idx="minor">
+      <a:schemeClr val="tx1"/>
+    </cs:fontRef>
+    <cs:spPr>
+      <a:ln w="9525" cap="flat" cmpd="sng" algn="ctr">
+        <a:solidFill>
+          <a:schemeClr val="tx1">
+            <a:lumMod val="75000"/>
+            <a:lumOff val="25000"/>
+          </a:schemeClr>
+        </a:solidFill>
+        <a:round/>
+      </a:ln>
+    </cs:spPr>
+  </cs:hiLoLine>
+  <cs:leaderLine>
+    <cs:lnRef idx="0"/>
+    <cs:fillRef idx="0"/>
+    <cs:effectRef idx="0"/>
+    <cs:fontRef idx="minor">
+      <a:schemeClr val="tx1"/>
+    </cs:fontRef>
+    <cs:spPr>
+      <a:ln w="9525" cap="flat" cmpd="sng" algn="ctr">
+        <a:solidFill>
+          <a:schemeClr val="tx1">
+            <a:lumMod val="35000"/>
+            <a:lumOff val="65000"/>
+          </a:schemeClr>
+        </a:solidFill>
+        <a:round/>
+      </a:ln>
+    </cs:spPr>
+  </cs:leaderLine>
+  <cs:legend>
+    <cs:lnRef idx="0"/>
+    <cs:fillRef idx="0"/>
+    <cs:effectRef idx="0"/>
+    <cs:fontRef idx="minor">
+      <a:schemeClr val="tx1">
+        <a:lumMod val="65000"/>
+        <a:lumOff val="35000"/>
+      </a:schemeClr>
+    </cs:fontRef>
+    <cs:defRPr sz="1197" kern="1200"/>
+  </cs:legend>
+  <cs:plotArea mods="allowNoFillOverride allowNoLineOverride">
+    <cs:lnRef idx="0"/>
+    <cs:fillRef idx="0"/>
+    <cs:effectRef idx="0"/>
+    <cs:fontRef idx="minor">
+      <a:schemeClr val="tx1"/>
+    </cs:fontRef>
+  </cs:plotArea>
+  <cs:plotArea3D mods="allowNoFillOverride allowNoLineOverride">
+    <cs:lnRef idx="0"/>
+    <cs:fillRef idx="0"/>
+    <cs:effectRef idx="0"/>
+    <cs:fontRef idx="minor">
+      <a:schemeClr val="tx1"/>
+    </cs:fontRef>
+  </cs:plotArea3D>
+  <cs:seriesAxis>
+    <cs:lnRef idx="0"/>
+    <cs:fillRef idx="0"/>
+    <cs:effectRef idx="0"/>
+    <cs:fontRef idx="minor">
+      <a:schemeClr val="tx1">
+        <a:lumMod val="65000"/>
+        <a:lumOff val="35000"/>
+      </a:schemeClr>
+    </cs:fontRef>
+    <cs:defRPr sz="1197" kern="1200"/>
+  </cs:seriesAxis>
+  <cs:seriesLine>
+    <cs:lnRef idx="0"/>
+    <cs:fillRef idx="0"/>
+    <cs:effectRef idx="0"/>
+    <cs:fontRef idx="minor">
+      <a:schemeClr val="tx1"/>
+    </cs:fontRef>
+    <cs:spPr>
+      <a:ln w="9525" cap="flat" cmpd="sng" algn="ctr">
+        <a:solidFill>
+          <a:schemeClr val="tx1">
+            <a:lumMod val="35000"/>
+            <a:lumOff val="65000"/>
+          </a:schemeClr>
+        </a:solidFill>
+        <a:round/>
+      </a:ln>
+    </cs:spPr>
+  </cs:seriesLine>
+  <cs:title>
+    <cs:lnRef idx="0"/>
+    <cs:fillRef idx="0"/>
+    <cs:effectRef idx="0"/>
+    <cs:fontRef idx="minor">
+      <a:schemeClr val="tx1">
+        <a:lumMod val="65000"/>
+        <a:lumOff val="35000"/>
+      </a:schemeClr>
+    </cs:fontRef>
+    <cs:defRPr sz="1862" b="0" kern="1200" spc="0" baseline="0"/>
+  </cs:title>
+  <cs:trendline>
+    <cs:lnRef idx="0">
+      <cs:styleClr val="auto"/>
+    </cs:lnRef>
+    <cs:fillRef idx="0"/>
+    <cs:effectRef idx="0"/>
+    <cs:fontRef idx="minor">
+      <a:schemeClr val="tx1"/>
+    </cs:fontRef>
+    <cs:spPr>
+      <a:ln w="19050" cap="rnd">
+        <a:solidFill>
+          <a:schemeClr val="phClr"/>
+        </a:solidFill>
+        <a:prstDash val="sysDot"/>
+      </a:ln>
+    </cs:spPr>
+  </cs:trendline>
+  <cs:trendlineLabel>
+    <cs:lnRef idx="0"/>
+    <cs:fillRef idx="0"/>
+    <cs:effectRef idx="0"/>
+    <cs:fontRef idx="minor">
+      <a:schemeClr val="tx1">
+        <a:lumMod val="65000"/>
+        <a:lumOff val="35000"/>
+      </a:schemeClr>
+    </cs:fontRef>
+    <cs:defRPr sz="1197" kern="1200"/>
+  </cs:trendlineLabel>
+  <cs:upBar>
+    <cs:lnRef idx="0"/>
+    <cs:fillRef idx="0"/>
+    <cs:effectRef idx="0"/>
+    <cs:fontRef idx="minor">
+      <a:schemeClr val="dk1"/>
+    </cs:fontRef>
+    <cs:spPr>
+      <a:solidFill>
+        <a:schemeClr val="lt1"/>
+      </a:solidFill>
+      <a:ln w="9525">
+        <a:solidFill>
+          <a:schemeClr val="tx1">
+            <a:lumMod val="15000"/>
+            <a:lumOff val="85000"/>
+          </a:schemeClr>
+        </a:solidFill>
+      </a:ln>
+    </cs:spPr>
+  </cs:upBar>
+  <cs:valueAxis>
+    <cs:lnRef idx="0"/>
+    <cs:fillRef idx="0"/>
+    <cs:effectRef idx="0"/>
+    <cs:fontRef idx="minor">
+      <a:schemeClr val="tx1">
+        <a:lumMod val="65000"/>
+        <a:lumOff val="35000"/>
+      </a:schemeClr>
+    </cs:fontRef>
+    <cs:defRPr sz="1197" kern="1200"/>
+  </cs:valueAxis>
+  <cs:wall>
+    <cs:lnRef idx="0"/>
+    <cs:fillRef idx="0"/>
+    <cs:effectRef idx="0"/>
+    <cs:fontRef idx="minor">
+      <a:schemeClr val="tx1"/>
+    </cs:fontRef>
+    <cs:spPr>
+      <a:noFill/>
+      <a:ln>
+        <a:noFill/>
+      </a:ln>
+    </cs:spPr>
+  </cs:wall>
+</cs:chartStyle>
+</file>
+
+<file path=ppt/charts/style2.xml><?xml version="1.0" encoding="utf-8"?>
+<cs:chartStyle xmlns:cs="http://schemas.microsoft.com/office/drawing/2012/chartStyle" xmlns:a="http://schemas.openxmlformats.org/drawingml/2006/main" id="201">
+  <cs:axisTitle>
+    <cs:lnRef idx="0"/>
+    <cs:fillRef idx="0"/>
+    <cs:effectRef idx="0"/>
+    <cs:fontRef idx="minor">
+      <a:schemeClr val="tx1">
+        <a:lumMod val="65000"/>
+        <a:lumOff val="35000"/>
+      </a:schemeClr>
+    </cs:fontRef>
+    <cs:defRPr sz="1330" kern="1200"/>
+  </cs:axisTitle>
+  <cs:categoryAxis>
+    <cs:lnRef idx="0"/>
+    <cs:fillRef idx="0"/>
+    <cs:effectRef idx="0"/>
+    <cs:fontRef idx="minor">
+      <a:schemeClr val="tx1">
+        <a:lumMod val="65000"/>
+        <a:lumOff val="35000"/>
+      </a:schemeClr>
+    </cs:fontRef>
+    <cs:spPr>
+      <a:ln w="9525" cap="flat" cmpd="sng" algn="ctr">
+        <a:solidFill>
+          <a:schemeClr val="tx1">
+            <a:lumMod val="15000"/>
+            <a:lumOff val="85000"/>
+          </a:schemeClr>
+        </a:solidFill>
+        <a:round/>
+      </a:ln>
+    </cs:spPr>
+    <cs:defRPr sz="1197" kern="1200"/>
+  </cs:categoryAxis>
+  <cs:chartArea mods="allowNoFillOverride allowNoLineOverride">
+    <cs:lnRef idx="0"/>
+    <cs:fillRef idx="0"/>
+    <cs:effectRef idx="0"/>
+    <cs:fontRef idx="minor">
+      <a:schemeClr val="tx1"/>
+    </cs:fontRef>
+    <cs:spPr>
+      <a:solidFill>
+        <a:schemeClr val="bg1"/>
+      </a:solidFill>
+      <a:ln w="9525" cap="flat" cmpd="sng" algn="ctr">
+        <a:solidFill>
+          <a:schemeClr val="tx1">
+            <a:lumMod val="15000"/>
+            <a:lumOff val="85000"/>
+          </a:schemeClr>
+        </a:solidFill>
+        <a:round/>
+      </a:ln>
+    </cs:spPr>
+    <cs:defRPr sz="1330" kern="1200"/>
+  </cs:chartArea>
+  <cs:dataLabel>
+    <cs:lnRef idx="0"/>
+    <cs:fillRef idx="0"/>
+    <cs:effectRef idx="0"/>
+    <cs:fontRef idx="minor">
+      <a:schemeClr val="tx1">
+        <a:lumMod val="75000"/>
+        <a:lumOff val="25000"/>
+      </a:schemeClr>
+    </cs:fontRef>
+    <cs:defRPr sz="1197" kern="1200"/>
+  </cs:dataLabel>
+  <cs:dataLabelCallout>
+    <cs:lnRef idx="0"/>
+    <cs:fillRef idx="0"/>
+    <cs:effectRef idx="0"/>
+    <cs:fontRef idx="minor">
+      <a:schemeClr val="dk1">
+        <a:lumMod val="65000"/>
+        <a:lumOff val="35000"/>
+      </a:schemeClr>
+    </cs:fontRef>
+    <cs:spPr>
+      <a:solidFill>
+        <a:schemeClr val="lt1"/>
+      </a:solidFill>
+      <a:ln>
+        <a:solidFill>
+          <a:schemeClr val="dk1">
+            <a:lumMod val="25000"/>
+            <a:lumOff val="75000"/>
+          </a:schemeClr>
+        </a:solidFill>
+      </a:ln>
+    </cs:spPr>
+    <cs:defRPr sz="1197" kern="1200"/>
+    <cs:bodyPr rot="0" spcFirstLastPara="1" vertOverflow="clip" horzOverflow="clip" vert="horz" wrap="square" lIns="36576" tIns="18288" rIns="36576" bIns="18288" anchor="ctr" anchorCtr="1">
+      <a:spAutoFit/>
+    </cs:bodyPr>
+  </cs:dataLabelCallout>
+  <cs:dataPoint>
+    <cs:lnRef idx="0"/>
+    <cs:fillRef idx="1">
+      <cs:styleClr val="auto"/>
+    </cs:fillRef>
+    <cs:effectRef idx="0"/>
+    <cs:fontRef idx="minor">
+      <a:schemeClr val="tx1"/>
+    </cs:fontRef>
+  </cs:dataPoint>
+  <cs:dataPoint3D>
+    <cs:lnRef idx="0"/>
+    <cs:fillRef idx="1">
+      <cs:styleClr val="auto"/>
+    </cs:fillRef>
+    <cs:effectRef idx="0"/>
+    <cs:fontRef idx="minor">
+      <a:schemeClr val="tx1"/>
+    </cs:fontRef>
+  </cs:dataPoint3D>
+  <cs:dataPointLine>
+    <cs:lnRef idx="0">
+      <cs:styleClr val="auto"/>
+    </cs:lnRef>
+    <cs:fillRef idx="1"/>
+    <cs:effectRef idx="0"/>
+    <cs:fontRef idx="minor">
+      <a:schemeClr val="tx1"/>
+    </cs:fontRef>
+    <cs:spPr>
+      <a:ln w="28575" cap="rnd">
+        <a:solidFill>
+          <a:schemeClr val="phClr"/>
+        </a:solidFill>
+        <a:round/>
+      </a:ln>
+    </cs:spPr>
+  </cs:dataPointLine>
+  <cs:dataPointMarker>
+    <cs:lnRef idx="0">
+      <cs:styleClr val="auto"/>
+    </cs:lnRef>
+    <cs:fillRef idx="1">
+      <cs:styleClr val="auto"/>
+    </cs:fillRef>
+    <cs:effectRef idx="0"/>
+    <cs:fontRef idx="minor">
+      <a:schemeClr val="tx1"/>
+    </cs:fontRef>
+    <cs:spPr>
+      <a:ln w="9525">
+        <a:solidFill>
+          <a:schemeClr val="phClr"/>
+        </a:solidFill>
+      </a:ln>
+    </cs:spPr>
+  </cs:dataPointMarker>
+  <cs:dataPointMarkerLayout symbol="circle" size="5"/>
+  <cs:dataPointWireframe>
+    <cs:lnRef idx="0">
+      <cs:styleClr val="auto"/>
+    </cs:lnRef>
+    <cs:fillRef idx="1"/>
+    <cs:effectRef idx="0"/>
+    <cs:fontRef idx="minor">
+      <a:schemeClr val="tx1"/>
+    </cs:fontRef>
+    <cs:spPr>
+      <a:ln w="9525" cap="rnd">
+        <a:solidFill>
+          <a:schemeClr val="phClr"/>
+        </a:solidFill>
+        <a:round/>
+      </a:ln>
+    </cs:spPr>
+  </cs:dataPointWireframe>
+  <cs:dataTable>
+    <cs:lnRef idx="0"/>
+    <cs:fillRef idx="0"/>
+    <cs:effectRef idx="0"/>
+    <cs:fontRef idx="minor">
+      <a:schemeClr val="tx1">
+        <a:lumMod val="65000"/>
+        <a:lumOff val="35000"/>
+      </a:schemeClr>
+    </cs:fontRef>
+    <cs:spPr>
+      <a:noFill/>
+      <a:ln w="9525" cap="flat" cmpd="sng" algn="ctr">
+        <a:solidFill>
+          <a:schemeClr val="tx1">
+            <a:lumMod val="15000"/>
+            <a:lumOff val="85000"/>
+          </a:schemeClr>
+        </a:solidFill>
+        <a:round/>
+      </a:ln>
+    </cs:spPr>
+    <cs:defRPr sz="1197" kern="1200"/>
+  </cs:dataTable>
+  <cs:downBar>
+    <cs:lnRef idx="0"/>
+    <cs:fillRef idx="0"/>
+    <cs:effectRef idx="0"/>
+    <cs:fontRef idx="minor">
+      <a:schemeClr val="dk1"/>
+    </cs:fontRef>
+    <cs:spPr>
+      <a:solidFill>
+        <a:schemeClr val="dk1">
+          <a:lumMod val="65000"/>
+          <a:lumOff val="35000"/>
+        </a:schemeClr>
+      </a:solidFill>
+      <a:ln w="9525">
+        <a:solidFill>
+          <a:schemeClr val="tx1">
+            <a:lumMod val="65000"/>
+            <a:lumOff val="35000"/>
+          </a:schemeClr>
+        </a:solidFill>
+      </a:ln>
+    </cs:spPr>
+  </cs:downBar>
+  <cs:dropLine>
+    <cs:lnRef idx="0"/>
+    <cs:fillRef idx="0"/>
+    <cs:effectRef idx="0"/>
+    <cs:fontRef idx="minor">
+      <a:schemeClr val="tx1"/>
+    </cs:fontRef>
+    <cs:spPr>
+      <a:ln w="9525" cap="flat" cmpd="sng" algn="ctr">
+        <a:solidFill>
+          <a:schemeClr val="tx1">
+            <a:lumMod val="35000"/>
+            <a:lumOff val="65000"/>
+          </a:schemeClr>
+        </a:solidFill>
+        <a:round/>
+      </a:ln>
+    </cs:spPr>
+  </cs:dropLine>
+  <cs:errorBar>
+    <cs:lnRef idx="0"/>
+    <cs:fillRef idx="0"/>
+    <cs:effectRef idx="0"/>
+    <cs:fontRef idx="minor">
+      <a:schemeClr val="tx1"/>
+    </cs:fontRef>
+    <cs:spPr>
+      <a:ln w="9525" cap="flat" cmpd="sng" algn="ctr">
+        <a:solidFill>
+          <a:schemeClr val="tx1">
+            <a:lumMod val="65000"/>
+            <a:lumOff val="35000"/>
+          </a:schemeClr>
+        </a:solidFill>
+        <a:round/>
+      </a:ln>
+    </cs:spPr>
+  </cs:errorBar>
+  <cs:floor>
+    <cs:lnRef idx="0"/>
+    <cs:fillRef idx="0"/>
+    <cs:effectRef idx="0"/>
+    <cs:fontRef idx="minor">
+      <a:schemeClr val="tx1"/>
+    </cs:fontRef>
+    <cs:spPr>
+      <a:noFill/>
+      <a:ln>
+        <a:noFill/>
+      </a:ln>
+    </cs:spPr>
+  </cs:floor>
+  <cs:gridlineMajor>
+    <cs:lnRef idx="0"/>
+    <cs:fillRef idx="0"/>
+    <cs:effectRef idx="0"/>
+    <cs:fontRef idx="minor">
+      <a:schemeClr val="tx1"/>
+    </cs:fontRef>
+    <cs:spPr>
+      <a:ln w="9525" cap="flat" cmpd="sng" algn="ctr">
+        <a:solidFill>
+          <a:schemeClr val="tx1">
+            <a:lumMod val="15000"/>
+            <a:lumOff val="85000"/>
+          </a:schemeClr>
+        </a:solidFill>
+        <a:round/>
+      </a:ln>
+    </cs:spPr>
+  </cs:gridlineMajor>
+  <cs:gridlineMinor>
+    <cs:lnRef idx="0"/>
+    <cs:fillRef idx="0"/>
+    <cs:effectRef idx="0"/>
+    <cs:fontRef idx="minor">
+      <a:schemeClr val="tx1"/>
+    </cs:fontRef>
+    <cs:spPr>
+      <a:ln w="9525" cap="flat" cmpd="sng" algn="ctr">
+        <a:solidFill>
+          <a:schemeClr val="tx1">
+            <a:lumMod val="5000"/>
+            <a:lumOff val="95000"/>
+          </a:schemeClr>
+        </a:solidFill>
+        <a:round/>
+      </a:ln>
+    </cs:spPr>
+  </cs:gridlineMinor>
+  <cs:hiLoLine>
+    <cs:lnRef idx="0"/>
+    <cs:fillRef idx="0"/>
+    <cs:effectRef idx="0"/>
+    <cs:fontRef idx="minor">
+      <a:schemeClr val="tx1"/>
+    </cs:fontRef>
+    <cs:spPr>
+      <a:ln w="9525" cap="flat" cmpd="sng" algn="ctr">
+        <a:solidFill>
+          <a:schemeClr val="tx1">
+            <a:lumMod val="75000"/>
+            <a:lumOff val="25000"/>
+          </a:schemeClr>
+        </a:solidFill>
+        <a:round/>
+      </a:ln>
+    </cs:spPr>
+  </cs:hiLoLine>
+  <cs:leaderLine>
+    <cs:lnRef idx="0"/>
+    <cs:fillRef idx="0"/>
+    <cs:effectRef idx="0"/>
+    <cs:fontRef idx="minor">
+      <a:schemeClr val="tx1"/>
+    </cs:fontRef>
+    <cs:spPr>
+      <a:ln w="9525" cap="flat" cmpd="sng" algn="ctr">
+        <a:solidFill>
+          <a:schemeClr val="tx1">
+            <a:lumMod val="35000"/>
+            <a:lumOff val="65000"/>
+          </a:schemeClr>
+        </a:solidFill>
+        <a:round/>
+      </a:ln>
+    </cs:spPr>
+  </cs:leaderLine>
+  <cs:legend>
+    <cs:lnRef idx="0"/>
+    <cs:fillRef idx="0"/>
+    <cs:effectRef idx="0"/>
+    <cs:fontRef idx="minor">
+      <a:schemeClr val="tx1">
+        <a:lumMod val="65000"/>
+        <a:lumOff val="35000"/>
+      </a:schemeClr>
+    </cs:fontRef>
+    <cs:defRPr sz="1197" kern="1200"/>
+  </cs:legend>
+  <cs:plotArea mods="allowNoFillOverride allowNoLineOverride">
+    <cs:lnRef idx="0"/>
+    <cs:fillRef idx="0"/>
+    <cs:effectRef idx="0"/>
+    <cs:fontRef idx="minor">
+      <a:schemeClr val="tx1"/>
+    </cs:fontRef>
+  </cs:plotArea>
+  <cs:plotArea3D mods="allowNoFillOverride allowNoLineOverride">
+    <cs:lnRef idx="0"/>
+    <cs:fillRef idx="0"/>
+    <cs:effectRef idx="0"/>
+    <cs:fontRef idx="minor">
+      <a:schemeClr val="tx1"/>
+    </cs:fontRef>
+  </cs:plotArea3D>
+  <cs:seriesAxis>
+    <cs:lnRef idx="0"/>
+    <cs:fillRef idx="0"/>
+    <cs:effectRef idx="0"/>
+    <cs:fontRef idx="minor">
+      <a:schemeClr val="tx1">
+        <a:lumMod val="65000"/>
+        <a:lumOff val="35000"/>
+      </a:schemeClr>
+    </cs:fontRef>
+    <cs:defRPr sz="1197" kern="1200"/>
+  </cs:seriesAxis>
+  <cs:seriesLine>
+    <cs:lnRef idx="0"/>
+    <cs:fillRef idx="0"/>
+    <cs:effectRef idx="0"/>
+    <cs:fontRef idx="minor">
+      <a:schemeClr val="tx1"/>
+    </cs:fontRef>
+    <cs:spPr>
+      <a:ln w="9525" cap="flat" cmpd="sng" algn="ctr">
+        <a:solidFill>
+          <a:schemeClr val="tx1">
+            <a:lumMod val="35000"/>
+            <a:lumOff val="65000"/>
+          </a:schemeClr>
+        </a:solidFill>
+        <a:round/>
+      </a:ln>
+    </cs:spPr>
+  </cs:seriesLine>
+  <cs:title>
+    <cs:lnRef idx="0"/>
+    <cs:fillRef idx="0"/>
+    <cs:effectRef idx="0"/>
+    <cs:fontRef idx="minor">
+      <a:schemeClr val="tx1">
+        <a:lumMod val="65000"/>
+        <a:lumOff val="35000"/>
+      </a:schemeClr>
+    </cs:fontRef>
+    <cs:defRPr sz="1862" b="0" kern="1200" spc="0" baseline="0"/>
+  </cs:title>
+  <cs:trendline>
+    <cs:lnRef idx="0">
+      <cs:styleClr val="auto"/>
+    </cs:lnRef>
+    <cs:fillRef idx="0"/>
+    <cs:effectRef idx="0"/>
+    <cs:fontRef idx="minor">
+      <a:schemeClr val="tx1"/>
+    </cs:fontRef>
+    <cs:spPr>
+      <a:ln w="19050" cap="rnd">
+        <a:solidFill>
+          <a:schemeClr val="phClr"/>
+        </a:solidFill>
+        <a:prstDash val="sysDot"/>
+      </a:ln>
+    </cs:spPr>
+  </cs:trendline>
+  <cs:trendlineLabel>
+    <cs:lnRef idx="0"/>
+    <cs:fillRef idx="0"/>
+    <cs:effectRef idx="0"/>
+    <cs:fontRef idx="minor">
+      <a:schemeClr val="tx1">
+        <a:lumMod val="65000"/>
+        <a:lumOff val="35000"/>
+      </a:schemeClr>
+    </cs:fontRef>
+    <cs:defRPr sz="1197" kern="1200"/>
+  </cs:trendlineLabel>
+  <cs:upBar>
+    <cs:lnRef idx="0"/>
+    <cs:fillRef idx="0"/>
+    <cs:effectRef idx="0"/>
+    <cs:fontRef idx="minor">
+      <a:schemeClr val="dk1"/>
+    </cs:fontRef>
+    <cs:spPr>
+      <a:solidFill>
+        <a:schemeClr val="lt1"/>
+      </a:solidFill>
+      <a:ln w="9525">
+        <a:solidFill>
+          <a:schemeClr val="tx1">
+            <a:lumMod val="15000"/>
+            <a:lumOff val="85000"/>
+          </a:schemeClr>
+        </a:solidFill>
+      </a:ln>
+    </cs:spPr>
+  </cs:upBar>
+  <cs:valueAxis>
+    <cs:lnRef idx="0"/>
+    <cs:fillRef idx="0"/>
+    <cs:effectRef idx="0"/>
+    <cs:fontRef idx="minor">
+      <a:schemeClr val="tx1">
+        <a:lumMod val="65000"/>
+        <a:lumOff val="35000"/>
+      </a:schemeClr>
+    </cs:fontRef>
+    <cs:defRPr sz="1197" kern="1200"/>
+  </cs:valueAxis>
+  <cs:wall>
+    <cs:lnRef idx="0"/>
+    <cs:fillRef idx="0"/>
+    <cs:effectRef idx="0"/>
+    <cs:fontRef idx="minor">
+      <a:schemeClr val="tx1"/>
+    </cs:fontRef>
+    <cs:spPr>
+      <a:noFill/>
+      <a:ln>
+        <a:noFill/>
+      </a:ln>
+    </cs:spPr>
+  </cs:wall>
+</cs:chartStyle>
+</file>
+
+<file path=ppt/charts/style3.xml><?xml version="1.0" encoding="utf-8"?>
+<cs:chartStyle xmlns:cs="http://schemas.microsoft.com/office/drawing/2012/chartStyle" xmlns:a="http://schemas.openxmlformats.org/drawingml/2006/main" id="201">
+  <cs:axisTitle>
+    <cs:lnRef idx="0"/>
+    <cs:fillRef idx="0"/>
+    <cs:effectRef idx="0"/>
+    <cs:fontRef idx="minor">
+      <a:schemeClr val="tx1">
+        <a:lumMod val="65000"/>
+        <a:lumOff val="35000"/>
+      </a:schemeClr>
+    </cs:fontRef>
+    <cs:defRPr sz="1330" kern="1200"/>
+  </cs:axisTitle>
+  <cs:categoryAxis>
+    <cs:lnRef idx="0"/>
+    <cs:fillRef idx="0"/>
+    <cs:effectRef idx="0"/>
+    <cs:fontRef idx="minor">
+      <a:schemeClr val="tx1">
+        <a:lumMod val="65000"/>
+        <a:lumOff val="35000"/>
+      </a:schemeClr>
+    </cs:fontRef>
+    <cs:spPr>
+      <a:ln w="9525" cap="flat" cmpd="sng" algn="ctr">
+        <a:solidFill>
+          <a:schemeClr val="tx1">
+            <a:lumMod val="15000"/>
+            <a:lumOff val="85000"/>
+          </a:schemeClr>
+        </a:solidFill>
+        <a:round/>
+      </a:ln>
+    </cs:spPr>
+    <cs:defRPr sz="1197" kern="1200"/>
+  </cs:categoryAxis>
+  <cs:chartArea mods="allowNoFillOverride allowNoLineOverride">
+    <cs:lnRef idx="0"/>
+    <cs:fillRef idx="0"/>
+    <cs:effectRef idx="0"/>
+    <cs:fontRef idx="minor">
+      <a:schemeClr val="tx1"/>
+    </cs:fontRef>
+    <cs:spPr>
+      <a:solidFill>
+        <a:schemeClr val="bg1"/>
+      </a:solidFill>
+      <a:ln w="9525" cap="flat" cmpd="sng" algn="ctr">
+        <a:solidFill>
+          <a:schemeClr val="tx1">
+            <a:lumMod val="15000"/>
+            <a:lumOff val="85000"/>
+          </a:schemeClr>
+        </a:solidFill>
+        <a:round/>
+      </a:ln>
+    </cs:spPr>
+    <cs:defRPr sz="1330" kern="1200"/>
+  </cs:chartArea>
+  <cs:dataLabel>
+    <cs:lnRef idx="0"/>
+    <cs:fillRef idx="0"/>
+    <cs:effectRef idx="0"/>
+    <cs:fontRef idx="minor">
+      <a:schemeClr val="tx1">
+        <a:lumMod val="75000"/>
+        <a:lumOff val="25000"/>
+      </a:schemeClr>
+    </cs:fontRef>
+    <cs:defRPr sz="1197" kern="1200"/>
+  </cs:dataLabel>
+  <cs:dataLabelCallout>
+    <cs:lnRef idx="0"/>
+    <cs:fillRef idx="0"/>
+    <cs:effectRef idx="0"/>
+    <cs:fontRef idx="minor">
+      <a:schemeClr val="dk1">
+        <a:lumMod val="65000"/>
+        <a:lumOff val="35000"/>
+      </a:schemeClr>
+    </cs:fontRef>
+    <cs:spPr>
+      <a:solidFill>
+        <a:schemeClr val="lt1"/>
+      </a:solidFill>
+      <a:ln>
+        <a:solidFill>
+          <a:schemeClr val="dk1">
+            <a:lumMod val="25000"/>
+            <a:lumOff val="75000"/>
+          </a:schemeClr>
+        </a:solidFill>
+      </a:ln>
+    </cs:spPr>
+    <cs:defRPr sz="1197" kern="1200"/>
+    <cs:bodyPr rot="0" spcFirstLastPara="1" vertOverflow="clip" horzOverflow="clip" vert="horz" wrap="square" lIns="36576" tIns="18288" rIns="36576" bIns="18288" anchor="ctr" anchorCtr="1">
+      <a:spAutoFit/>
+    </cs:bodyPr>
+  </cs:dataLabelCallout>
+  <cs:dataPoint>
+    <cs:lnRef idx="0"/>
+    <cs:fillRef idx="1">
+      <cs:styleClr val="auto"/>
+    </cs:fillRef>
+    <cs:effectRef idx="0"/>
+    <cs:fontRef idx="minor">
+      <a:schemeClr val="tx1"/>
+    </cs:fontRef>
+  </cs:dataPoint>
+  <cs:dataPoint3D>
+    <cs:lnRef idx="0"/>
+    <cs:fillRef idx="1">
+      <cs:styleClr val="auto"/>
+    </cs:fillRef>
+    <cs:effectRef idx="0"/>
+    <cs:fontRef idx="minor">
+      <a:schemeClr val="tx1"/>
+    </cs:fontRef>
+  </cs:dataPoint3D>
+  <cs:dataPointLine>
+    <cs:lnRef idx="0">
+      <cs:styleClr val="auto"/>
+    </cs:lnRef>
+    <cs:fillRef idx="1"/>
+    <cs:effectRef idx="0"/>
+    <cs:fontRef idx="minor">
+      <a:schemeClr val="tx1"/>
+    </cs:fontRef>
+    <cs:spPr>
+      <a:ln w="28575" cap="rnd">
+        <a:solidFill>
+          <a:schemeClr val="phClr"/>
+        </a:solidFill>
+        <a:round/>
+      </a:ln>
+    </cs:spPr>
+  </cs:dataPointLine>
+  <cs:dataPointMarker>
+    <cs:lnRef idx="0">
+      <cs:styleClr val="auto"/>
+    </cs:lnRef>
+    <cs:fillRef idx="1">
+      <cs:styleClr val="auto"/>
+    </cs:fillRef>
+    <cs:effectRef idx="0"/>
+    <cs:fontRef idx="minor">
+      <a:schemeClr val="tx1"/>
+    </cs:fontRef>
+    <cs:spPr>
+      <a:ln w="9525">
+        <a:solidFill>
+          <a:schemeClr val="phClr"/>
+        </a:solidFill>
+      </a:ln>
+    </cs:spPr>
+  </cs:dataPointMarker>
+  <cs:dataPointMarkerLayout symbol="circle" size="5"/>
+  <cs:dataPointWireframe>
+    <cs:lnRef idx="0">
+      <cs:styleClr val="auto"/>
+    </cs:lnRef>
+    <cs:fillRef idx="1"/>
+    <cs:effectRef idx="0"/>
+    <cs:fontRef idx="minor">
+      <a:schemeClr val="tx1"/>
+    </cs:fontRef>
+    <cs:spPr>
+      <a:ln w="9525" cap="rnd">
+        <a:solidFill>
+          <a:schemeClr val="phClr"/>
+        </a:solidFill>
+        <a:round/>
+      </a:ln>
+    </cs:spPr>
+  </cs:dataPointWireframe>
+  <cs:dataTable>
+    <cs:lnRef idx="0"/>
+    <cs:fillRef idx="0"/>
+    <cs:effectRef idx="0"/>
+    <cs:fontRef idx="minor">
+      <a:schemeClr val="tx1">
+        <a:lumMod val="65000"/>
+        <a:lumOff val="35000"/>
+      </a:schemeClr>
+    </cs:fontRef>
+    <cs:spPr>
+      <a:noFill/>
+      <a:ln w="9525" cap="flat" cmpd="sng" algn="ctr">
+        <a:solidFill>
+          <a:schemeClr val="tx1">
+            <a:lumMod val="15000"/>
+            <a:lumOff val="85000"/>
+          </a:schemeClr>
+        </a:solidFill>
+        <a:round/>
+      </a:ln>
+    </cs:spPr>
+    <cs:defRPr sz="1197" kern="1200"/>
+  </cs:dataTable>
+  <cs:downBar>
+    <cs:lnRef idx="0"/>
+    <cs:fillRef idx="0"/>
+    <cs:effectRef idx="0"/>
+    <cs:fontRef idx="minor">
+      <a:schemeClr val="dk1"/>
+    </cs:fontRef>
+    <cs:spPr>
+      <a:solidFill>
+        <a:schemeClr val="dk1">
+          <a:lumMod val="65000"/>
+          <a:lumOff val="35000"/>
+        </a:schemeClr>
+      </a:solidFill>
+      <a:ln w="9525">
+        <a:solidFill>
+          <a:schemeClr val="tx1">
+            <a:lumMod val="65000"/>
+            <a:lumOff val="35000"/>
+          </a:schemeClr>
+        </a:solidFill>
+      </a:ln>
+    </cs:spPr>
+  </cs:downBar>
+  <cs:dropLine>
+    <cs:lnRef idx="0"/>
+    <cs:fillRef idx="0"/>
+    <cs:effectRef idx="0"/>
+    <cs:fontRef idx="minor">
+      <a:schemeClr val="tx1"/>
+    </cs:fontRef>
+    <cs:spPr>
+      <a:ln w="9525" cap="flat" cmpd="sng" algn="ctr">
+        <a:solidFill>
+          <a:schemeClr val="tx1">
+            <a:lumMod val="35000"/>
+            <a:lumOff val="65000"/>
+          </a:schemeClr>
+        </a:solidFill>
+        <a:round/>
+      </a:ln>
+    </cs:spPr>
+  </cs:dropLine>
+  <cs:errorBar>
+    <cs:lnRef idx="0"/>
+    <cs:fillRef idx="0"/>
+    <cs:effectRef idx="0"/>
+    <cs:fontRef idx="minor">
+      <a:schemeClr val="tx1"/>
+    </cs:fontRef>
+    <cs:spPr>
+      <a:ln w="9525" cap="flat" cmpd="sng" algn="ctr">
+        <a:solidFill>
+          <a:schemeClr val="tx1">
+            <a:lumMod val="65000"/>
+            <a:lumOff val="35000"/>
+          </a:schemeClr>
+        </a:solidFill>
+        <a:round/>
+      </a:ln>
+    </cs:spPr>
+  </cs:errorBar>
+  <cs:floor>
+    <cs:lnRef idx="0"/>
+    <cs:fillRef idx="0"/>
+    <cs:effectRef idx="0"/>
+    <cs:fontRef idx="minor">
+      <a:schemeClr val="tx1"/>
+    </cs:fontRef>
+    <cs:spPr>
+      <a:noFill/>
+      <a:ln>
+        <a:noFill/>
+      </a:ln>
+    </cs:spPr>
+  </cs:floor>
+  <cs:gridlineMajor>
+    <cs:lnRef idx="0"/>
+    <cs:fillRef idx="0"/>
+    <cs:effectRef idx="0"/>
+    <cs:fontRef idx="minor">
+      <a:schemeClr val="tx1"/>
+    </cs:fontRef>
+    <cs:spPr>
+      <a:ln w="9525" cap="flat" cmpd="sng" algn="ctr">
+        <a:solidFill>
+          <a:schemeClr val="tx1">
+            <a:lumMod val="15000"/>
+            <a:lumOff val="85000"/>
+          </a:schemeClr>
+        </a:solidFill>
+        <a:round/>
+      </a:ln>
+    </cs:spPr>
+  </cs:gridlineMajor>
+  <cs:gridlineMinor>
+    <cs:lnRef idx="0"/>
+    <cs:fillRef idx="0"/>
+    <cs:effectRef idx="0"/>
+    <cs:fontRef idx="minor">
+      <a:schemeClr val="tx1"/>
+    </cs:fontRef>
+    <cs:spPr>
+      <a:ln w="9525" cap="flat" cmpd="sng" algn="ctr">
+        <a:solidFill>
+          <a:schemeClr val="tx1">
+            <a:lumMod val="5000"/>
+            <a:lumOff val="95000"/>
+          </a:schemeClr>
+        </a:solidFill>
+        <a:round/>
+      </a:ln>
+    </cs:spPr>
+  </cs:gridlineMinor>
+  <cs:hiLoLine>
+    <cs:lnRef idx="0"/>
+    <cs:fillRef idx="0"/>
+    <cs:effectRef idx="0"/>
+    <cs:fontRef idx="minor">
+      <a:schemeClr val="tx1"/>
+    </cs:fontRef>
+    <cs:spPr>
+      <a:ln w="9525" cap="flat" cmpd="sng" algn="ctr">
+        <a:solidFill>
+          <a:schemeClr val="tx1">
+            <a:lumMod val="75000"/>
+            <a:lumOff val="25000"/>
+          </a:schemeClr>
+        </a:solidFill>
+        <a:round/>
+      </a:ln>
+    </cs:spPr>
+  </cs:hiLoLine>
+  <cs:leaderLine>
+    <cs:lnRef idx="0"/>
+    <cs:fillRef idx="0"/>
+    <cs:effectRef idx="0"/>
+    <cs:fontRef idx="minor">
+      <a:schemeClr val="tx1"/>
+    </cs:fontRef>
+    <cs:spPr>
+      <a:ln w="9525" cap="flat" cmpd="sng" algn="ctr">
+        <a:solidFill>
+          <a:schemeClr val="tx1">
+            <a:lumMod val="35000"/>
+            <a:lumOff val="65000"/>
+          </a:schemeClr>
+        </a:solidFill>
+        <a:round/>
+      </a:ln>
+    </cs:spPr>
+  </cs:leaderLine>
+  <cs:legend>
+    <cs:lnRef idx="0"/>
+    <cs:fillRef idx="0"/>
+    <cs:effectRef idx="0"/>
+    <cs:fontRef idx="minor">
+      <a:schemeClr val="tx1">
+        <a:lumMod val="65000"/>
+        <a:lumOff val="35000"/>
+      </a:schemeClr>
+    </cs:fontRef>
+    <cs:defRPr sz="1197" kern="1200"/>
+  </cs:legend>
+  <cs:plotArea mods="allowNoFillOverride allowNoLineOverride">
+    <cs:lnRef idx="0"/>
+    <cs:fillRef idx="0"/>
+    <cs:effectRef idx="0"/>
+    <cs:fontRef idx="minor">
+      <a:schemeClr val="tx1"/>
+    </cs:fontRef>
+  </cs:plotArea>
+  <cs:plotArea3D mods="allowNoFillOverride allowNoLineOverride">
+    <cs:lnRef idx="0"/>
+    <cs:fillRef idx="0"/>
+    <cs:effectRef idx="0"/>
+    <cs:fontRef idx="minor">
+      <a:schemeClr val="tx1"/>
+    </cs:fontRef>
+  </cs:plotArea3D>
+  <cs:seriesAxis>
+    <cs:lnRef idx="0"/>
+    <cs:fillRef idx="0"/>
+    <cs:effectRef idx="0"/>
+    <cs:fontRef idx="minor">
+      <a:schemeClr val="tx1">
+        <a:lumMod val="65000"/>
+        <a:lumOff val="35000"/>
+      </a:schemeClr>
+    </cs:fontRef>
+    <cs:defRPr sz="1197" kern="1200"/>
+  </cs:seriesAxis>
+  <cs:seriesLine>
+    <cs:lnRef idx="0"/>
+    <cs:fillRef idx="0"/>
+    <cs:effectRef idx="0"/>
+    <cs:fontRef idx="minor">
+      <a:schemeClr val="tx1"/>
+    </cs:fontRef>
+    <cs:spPr>
+      <a:ln w="9525" cap="flat" cmpd="sng" algn="ctr">
+        <a:solidFill>
+          <a:schemeClr val="tx1">
+            <a:lumMod val="35000"/>
+            <a:lumOff val="65000"/>
+          </a:schemeClr>
+        </a:solidFill>
+        <a:round/>
+      </a:ln>
+    </cs:spPr>
+  </cs:seriesLine>
+  <cs:title>
+    <cs:lnRef idx="0"/>
+    <cs:fillRef idx="0"/>
+    <cs:effectRef idx="0"/>
+    <cs:fontRef idx="minor">
+      <a:schemeClr val="tx1">
+        <a:lumMod val="65000"/>
+        <a:lumOff val="35000"/>
+      </a:schemeClr>
+    </cs:fontRef>
+    <cs:defRPr sz="1862" b="0" kern="1200" spc="0" baseline="0"/>
+  </cs:title>
+  <cs:trendline>
+    <cs:lnRef idx="0">
+      <cs:styleClr val="auto"/>
+    </cs:lnRef>
+    <cs:fillRef idx="0"/>
+    <cs:effectRef idx="0"/>
+    <cs:fontRef idx="minor">
+      <a:schemeClr val="tx1"/>
+    </cs:fontRef>
+    <cs:spPr>
+      <a:ln w="19050" cap="rnd">
+        <a:solidFill>
+          <a:schemeClr val="phClr"/>
+        </a:solidFill>
+        <a:prstDash val="sysDot"/>
+      </a:ln>
+    </cs:spPr>
+  </cs:trendline>
+  <cs:trendlineLabel>
+    <cs:lnRef idx="0"/>
+    <cs:fillRef idx="0"/>
+    <cs:effectRef idx="0"/>
+    <cs:fontRef idx="minor">
+      <a:schemeClr val="tx1">
+        <a:lumMod val="65000"/>
+        <a:lumOff val="35000"/>
+      </a:schemeClr>
+    </cs:fontRef>
+    <cs:defRPr sz="1197" kern="1200"/>
+  </cs:trendlineLabel>
+  <cs:upBar>
+    <cs:lnRef idx="0"/>
+    <cs:fillRef idx="0"/>
+    <cs:effectRef idx="0"/>
+    <cs:fontRef idx="minor">
+      <a:schemeClr val="dk1"/>
+    </cs:fontRef>
+    <cs:spPr>
+      <a:solidFill>
+        <a:schemeClr val="lt1"/>
+      </a:solidFill>
+      <a:ln w="9525">
+        <a:solidFill>
+          <a:schemeClr val="tx1">
+            <a:lumMod val="15000"/>
+            <a:lumOff val="85000"/>
+          </a:schemeClr>
+        </a:solidFill>
+      </a:ln>
+    </cs:spPr>
+  </cs:upBar>
+  <cs:valueAxis>
+    <cs:lnRef idx="0"/>
+    <cs:fillRef idx="0"/>
+    <cs:effectRef idx="0"/>
+    <cs:fontRef idx="minor">
+      <a:schemeClr val="tx1">
+        <a:lumMod val="65000"/>
+        <a:lumOff val="35000"/>
+      </a:schemeClr>
+    </cs:fontRef>
+    <cs:defRPr sz="1197" kern="1200"/>
+  </cs:valueAxis>
+  <cs:wall>
+    <cs:lnRef idx="0"/>
+    <cs:fillRef idx="0"/>
+    <cs:effectRef idx="0"/>
+    <cs:fontRef idx="minor">
+      <a:schemeClr val="tx1"/>
+    </cs:fontRef>
+    <cs:spPr>
+      <a:noFill/>
+      <a:ln>
+        <a:noFill/>
+      </a:ln>
+    </cs:spPr>
+  </cs:wall>
+</cs:chartStyle>
+</file>
+
+<file path=ppt/charts/style4.xml><?xml version="1.0" encoding="utf-8"?>
+<cs:chartStyle xmlns:cs="http://schemas.microsoft.com/office/drawing/2012/chartStyle" xmlns:a="http://schemas.openxmlformats.org/drawingml/2006/main" id="201">
+  <cs:axisTitle>
+    <cs:lnRef idx="0"/>
+    <cs:fillRef idx="0"/>
+    <cs:effectRef idx="0"/>
+    <cs:fontRef idx="minor">
+      <a:schemeClr val="tx1">
+        <a:lumMod val="65000"/>
+        <a:lumOff val="35000"/>
+      </a:schemeClr>
+    </cs:fontRef>
+    <cs:defRPr sz="1330" kern="1200"/>
+  </cs:axisTitle>
+  <cs:categoryAxis>
+    <cs:lnRef idx="0"/>
+    <cs:fillRef idx="0"/>
+    <cs:effectRef idx="0"/>
+    <cs:fontRef idx="minor">
+      <a:schemeClr val="tx1">
+        <a:lumMod val="65000"/>
+        <a:lumOff val="35000"/>
+      </a:schemeClr>
+    </cs:fontRef>
+    <cs:spPr>
+      <a:ln w="9525" cap="flat" cmpd="sng" algn="ctr">
+        <a:solidFill>
+          <a:schemeClr val="tx1">
+            <a:lumMod val="15000"/>
+            <a:lumOff val="85000"/>
+          </a:schemeClr>
+        </a:solidFill>
+        <a:round/>
+      </a:ln>
+    </cs:spPr>
+    <cs:defRPr sz="1197" kern="1200"/>
+  </cs:categoryAxis>
+  <cs:chartArea mods="allowNoFillOverride allowNoLineOverride">
+    <cs:lnRef idx="0"/>
+    <cs:fillRef idx="0"/>
+    <cs:effectRef idx="0"/>
+    <cs:fontRef idx="minor">
+      <a:schemeClr val="tx1"/>
+    </cs:fontRef>
+    <cs:spPr>
+      <a:solidFill>
+        <a:schemeClr val="bg1"/>
+      </a:solidFill>
+      <a:ln w="9525" cap="flat" cmpd="sng" algn="ctr">
+        <a:solidFill>
+          <a:schemeClr val="tx1">
+            <a:lumMod val="15000"/>
+            <a:lumOff val="85000"/>
+          </a:schemeClr>
+        </a:solidFill>
+        <a:round/>
+      </a:ln>
+    </cs:spPr>
+    <cs:defRPr sz="1330" kern="1200"/>
+  </cs:chartArea>
+  <cs:dataLabel>
+    <cs:lnRef idx="0"/>
+    <cs:fillRef idx="0"/>
+    <cs:effectRef idx="0"/>
+    <cs:fontRef idx="minor">
+      <a:schemeClr val="tx1">
+        <a:lumMod val="75000"/>
+        <a:lumOff val="25000"/>
+      </a:schemeClr>
+    </cs:fontRef>
+    <cs:defRPr sz="1197" kern="1200"/>
+  </cs:dataLabel>
+  <cs:dataLabelCallout>
+    <cs:lnRef idx="0"/>
+    <cs:fillRef idx="0"/>
+    <cs:effectRef idx="0"/>
+    <cs:fontRef idx="minor">
+      <a:schemeClr val="dk1">
+        <a:lumMod val="65000"/>
+        <a:lumOff val="35000"/>
+      </a:schemeClr>
+    </cs:fontRef>
+    <cs:spPr>
+      <a:solidFill>
+        <a:schemeClr val="lt1"/>
+      </a:solidFill>
+      <a:ln>
+        <a:solidFill>
+          <a:schemeClr val="dk1">
+            <a:lumMod val="25000"/>
+            <a:lumOff val="75000"/>
+          </a:schemeClr>
+        </a:solidFill>
+      </a:ln>
+    </cs:spPr>
+    <cs:defRPr sz="1197" kern="1200"/>
+    <cs:bodyPr rot="0" spcFirstLastPara="1" vertOverflow="clip" horzOverflow="clip" vert="horz" wrap="square" lIns="36576" tIns="18288" rIns="36576" bIns="18288" anchor="ctr" anchorCtr="1">
+      <a:spAutoFit/>
+    </cs:bodyPr>
+  </cs:dataLabelCallout>
+  <cs:dataPoint>
+    <cs:lnRef idx="0"/>
+    <cs:fillRef idx="1">
+      <cs:styleClr val="auto"/>
+    </cs:fillRef>
+    <cs:effectRef idx="0"/>
+    <cs:fontRef idx="minor">
+      <a:schemeClr val="tx1"/>
+    </cs:fontRef>
+  </cs:dataPoint>
+  <cs:dataPoint3D>
+    <cs:lnRef idx="0"/>
+    <cs:fillRef idx="1">
+      <cs:styleClr val="auto"/>
+    </cs:fillRef>
+    <cs:effectRef idx="0"/>
+    <cs:fontRef idx="minor">
+      <a:schemeClr val="tx1"/>
+    </cs:fontRef>
+  </cs:dataPoint3D>
+  <cs:dataPointLine>
+    <cs:lnRef idx="0">
+      <cs:styleClr val="auto"/>
+    </cs:lnRef>
+    <cs:fillRef idx="1"/>
+    <cs:effectRef idx="0"/>
+    <cs:fontRef idx="minor">
+      <a:schemeClr val="tx1"/>
+    </cs:fontRef>
+    <cs:spPr>
+      <a:ln w="28575" cap="rnd">
+        <a:solidFill>
+          <a:schemeClr val="phClr"/>
+        </a:solidFill>
+        <a:round/>
+      </a:ln>
+    </cs:spPr>
+  </cs:dataPointLine>
+  <cs:dataPointMarker>
+    <cs:lnRef idx="0">
+      <cs:styleClr val="auto"/>
+    </cs:lnRef>
+    <cs:fillRef idx="1">
+      <cs:styleClr val="auto"/>
+    </cs:fillRef>
+    <cs:effectRef idx="0"/>
+    <cs:fontRef idx="minor">
+      <a:schemeClr val="tx1"/>
+    </cs:fontRef>
+    <cs:spPr>
+      <a:ln w="9525">
+        <a:solidFill>
+          <a:schemeClr val="phClr"/>
+        </a:solidFill>
+      </a:ln>
+    </cs:spPr>
+  </cs:dataPointMarker>
+  <cs:dataPointMarkerLayout symbol="circle" size="5"/>
+  <cs:dataPointWireframe>
+    <cs:lnRef idx="0">
+      <cs:styleClr val="auto"/>
+    </cs:lnRef>
+    <cs:fillRef idx="1"/>
+    <cs:effectRef idx="0"/>
+    <cs:fontRef idx="minor">
+      <a:schemeClr val="tx1"/>
+    </cs:fontRef>
+    <cs:spPr>
+      <a:ln w="9525" cap="rnd">
+        <a:solidFill>
+          <a:schemeClr val="phClr"/>
+        </a:solidFill>
+        <a:round/>
+      </a:ln>
+    </cs:spPr>
+  </cs:dataPointWireframe>
+  <cs:dataTable>
+    <cs:lnRef idx="0"/>
+    <cs:fillRef idx="0"/>
+    <cs:effectRef idx="0"/>
+    <cs:fontRef idx="minor">
+      <a:schemeClr val="tx1">
+        <a:lumMod val="65000"/>
+        <a:lumOff val="35000"/>
+      </a:schemeClr>
+    </cs:fontRef>
+    <cs:spPr>
+      <a:noFill/>
+      <a:ln w="9525" cap="flat" cmpd="sng" algn="ctr">
+        <a:solidFill>
+          <a:schemeClr val="tx1">
+            <a:lumMod val="15000"/>
+            <a:lumOff val="85000"/>
+          </a:schemeClr>
+        </a:solidFill>
+        <a:round/>
+      </a:ln>
+    </cs:spPr>
+    <cs:defRPr sz="1197" kern="1200"/>
+  </cs:dataTable>
+  <cs:downBar>
+    <cs:lnRef idx="0"/>
+    <cs:fillRef idx="0"/>
+    <cs:effectRef idx="0"/>
+    <cs:fontRef idx="minor">
+      <a:schemeClr val="dk1"/>
+    </cs:fontRef>
+    <cs:spPr>
+      <a:solidFill>
+        <a:schemeClr val="dk1">
+          <a:lumMod val="65000"/>
+          <a:lumOff val="35000"/>
+        </a:schemeClr>
+      </a:solidFill>
+      <a:ln w="9525">
+        <a:solidFill>
+          <a:schemeClr val="tx1">
+            <a:lumMod val="65000"/>
+            <a:lumOff val="35000"/>
+          </a:schemeClr>
+        </a:solidFill>
+      </a:ln>
+    </cs:spPr>
+  </cs:downBar>
+  <cs:dropLine>
+    <cs:lnRef idx="0"/>
+    <cs:fillRef idx="0"/>
+    <cs:effectRef idx="0"/>
+    <cs:fontRef idx="minor">
+      <a:schemeClr val="tx1"/>
+    </cs:fontRef>
+    <cs:spPr>
+      <a:ln w="9525" cap="flat" cmpd="sng" algn="ctr">
+        <a:solidFill>
+          <a:schemeClr val="tx1">
+            <a:lumMod val="35000"/>
+            <a:lumOff val="65000"/>
+          </a:schemeClr>
+        </a:solidFill>
+        <a:round/>
+      </a:ln>
+    </cs:spPr>
+  </cs:dropLine>
+  <cs:errorBar>
+    <cs:lnRef idx="0"/>
+    <cs:fillRef idx="0"/>
+    <cs:effectRef idx="0"/>
+    <cs:fontRef idx="minor">
+      <a:schemeClr val="tx1"/>
+    </cs:fontRef>
+    <cs:spPr>
+      <a:ln w="9525" cap="flat" cmpd="sng" algn="ctr">
+        <a:solidFill>
+          <a:schemeClr val="tx1">
+            <a:lumMod val="65000"/>
+            <a:lumOff val="35000"/>
+          </a:schemeClr>
+        </a:solidFill>
+        <a:round/>
+      </a:ln>
+    </cs:spPr>
+  </cs:errorBar>
+  <cs:floor>
+    <cs:lnRef idx="0"/>
+    <cs:fillRef idx="0"/>
+    <cs:effectRef idx="0"/>
+    <cs:fontRef idx="minor">
+      <a:schemeClr val="tx1"/>
+    </cs:fontRef>
+    <cs:spPr>
+      <a:noFill/>
+      <a:ln>
+        <a:noFill/>
+      </a:ln>
+    </cs:spPr>
+  </cs:floor>
+  <cs:gridlineMajor>
+    <cs:lnRef idx="0"/>
+    <cs:fillRef idx="0"/>
+    <cs:effectRef idx="0"/>
+    <cs:fontRef idx="minor">
+      <a:schemeClr val="tx1"/>
+    </cs:fontRef>
+    <cs:spPr>
+      <a:ln w="9525" cap="flat" cmpd="sng" algn="ctr">
+        <a:solidFill>
+          <a:schemeClr val="tx1">
+            <a:lumMod val="15000"/>
+            <a:lumOff val="85000"/>
+          </a:schemeClr>
+        </a:solidFill>
+        <a:round/>
+      </a:ln>
+    </cs:spPr>
+  </cs:gridlineMajor>
+  <cs:gridlineMinor>
+    <cs:lnRef idx="0"/>
+    <cs:fillRef idx="0"/>
+    <cs:effectRef idx="0"/>
+    <cs:fontRef idx="minor">
+      <a:schemeClr val="tx1"/>
+    </cs:fontRef>
+    <cs:spPr>
+      <a:ln w="9525" cap="flat" cmpd="sng" algn="ctr">
+        <a:solidFill>
+          <a:schemeClr val="tx1">
+            <a:lumMod val="5000"/>
+            <a:lumOff val="95000"/>
+          </a:schemeClr>
+        </a:solidFill>
+        <a:round/>
+      </a:ln>
+    </cs:spPr>
+  </cs:gridlineMinor>
+  <cs:hiLoLine>
+    <cs:lnRef idx="0"/>
+    <cs:fillRef idx="0"/>
+    <cs:effectRef idx="0"/>
+    <cs:fontRef idx="minor">
+      <a:schemeClr val="tx1"/>
+    </cs:fontRef>
+    <cs:spPr>
+      <a:ln w="9525" cap="flat" cmpd="sng" algn="ctr">
+        <a:solidFill>
+          <a:schemeClr val="tx1">
+            <a:lumMod val="75000"/>
+            <a:lumOff val="25000"/>
+          </a:schemeClr>
+        </a:solidFill>
+        <a:round/>
+      </a:ln>
+    </cs:spPr>
+  </cs:hiLoLine>
+  <cs:leaderLine>
+    <cs:lnRef idx="0"/>
+    <cs:fillRef idx="0"/>
+    <cs:effectRef idx="0"/>
+    <cs:fontRef idx="minor">
+      <a:schemeClr val="tx1"/>
+    </cs:fontRef>
+    <cs:spPr>
+      <a:ln w="9525" cap="flat" cmpd="sng" algn="ctr">
+        <a:solidFill>
+          <a:schemeClr val="tx1">
+            <a:lumMod val="35000"/>
+            <a:lumOff val="65000"/>
+          </a:schemeClr>
+        </a:solidFill>
+        <a:round/>
+      </a:ln>
+    </cs:spPr>
+  </cs:leaderLine>
+  <cs:legend>
+    <cs:lnRef idx="0"/>
+    <cs:fillRef idx="0"/>
+    <cs:effectRef idx="0"/>
+    <cs:fontRef idx="minor">
+      <a:schemeClr val="tx1">
+        <a:lumMod val="65000"/>
+        <a:lumOff val="35000"/>
+      </a:schemeClr>
+    </cs:fontRef>
+    <cs:defRPr sz="1197" kern="1200"/>
+  </cs:legend>
+  <cs:plotArea mods="allowNoFillOverride allowNoLineOverride">
+    <cs:lnRef idx="0"/>
+    <cs:fillRef idx="0"/>
+    <cs:effectRef idx="0"/>
+    <cs:fontRef idx="minor">
+      <a:schemeClr val="tx1"/>
+    </cs:fontRef>
+  </cs:plotArea>
+  <cs:plotArea3D mods="allowNoFillOverride allowNoLineOverride">
+    <cs:lnRef idx="0"/>
+    <cs:fillRef idx="0"/>
+    <cs:effectRef idx="0"/>
+    <cs:fontRef idx="minor">
+      <a:schemeClr val="tx1"/>
+    </cs:fontRef>
+  </cs:plotArea3D>
+  <cs:seriesAxis>
+    <cs:lnRef idx="0"/>
+    <cs:fillRef idx="0"/>
+    <cs:effectRef idx="0"/>
+    <cs:fontRef idx="minor">
+      <a:schemeClr val="tx1">
+        <a:lumMod val="65000"/>
+        <a:lumOff val="35000"/>
+      </a:schemeClr>
+    </cs:fontRef>
+    <cs:defRPr sz="1197" kern="1200"/>
+  </cs:seriesAxis>
+  <cs:seriesLine>
+    <cs:lnRef idx="0"/>
+    <cs:fillRef idx="0"/>
+    <cs:effectRef idx="0"/>
+    <cs:fontRef idx="minor">
+      <a:schemeClr val="tx1"/>
+    </cs:fontRef>
+    <cs:spPr>
+      <a:ln w="9525" cap="flat" cmpd="sng" algn="ctr">
+        <a:solidFill>
+          <a:schemeClr val="tx1">
+            <a:lumMod val="35000"/>
+            <a:lumOff val="65000"/>
+          </a:schemeClr>
+        </a:solidFill>
+        <a:round/>
+      </a:ln>
+    </cs:spPr>
+  </cs:seriesLine>
+  <cs:title>
+    <cs:lnRef idx="0"/>
+    <cs:fillRef idx="0"/>
+    <cs:effectRef idx="0"/>
+    <cs:fontRef idx="minor">
+      <a:schemeClr val="tx1">
+        <a:lumMod val="65000"/>
+        <a:lumOff val="35000"/>
+      </a:schemeClr>
+    </cs:fontRef>
+    <cs:defRPr sz="1862" b="0" kern="1200" spc="0" baseline="0"/>
+  </cs:title>
+  <cs:trendline>
+    <cs:lnRef idx="0">
+      <cs:styleClr val="auto"/>
+    </cs:lnRef>
+    <cs:fillRef idx="0"/>
+    <cs:effectRef idx="0"/>
+    <cs:fontRef idx="minor">
+      <a:schemeClr val="tx1"/>
+    </cs:fontRef>
+    <cs:spPr>
+      <a:ln w="19050" cap="rnd">
+        <a:solidFill>
+          <a:schemeClr val="phClr"/>
+        </a:solidFill>
+        <a:prstDash val="sysDot"/>
+      </a:ln>
+    </cs:spPr>
+  </cs:trendline>
+  <cs:trendlineLabel>
+    <cs:lnRef idx="0"/>
+    <cs:fillRef idx="0"/>
+    <cs:effectRef idx="0"/>
+    <cs:fontRef idx="minor">
+      <a:schemeClr val="tx1">
+        <a:lumMod val="65000"/>
+        <a:lumOff val="35000"/>
+      </a:schemeClr>
+    </cs:fontRef>
+    <cs:defRPr sz="1197" kern="1200"/>
+  </cs:trendlineLabel>
+  <cs:upBar>
+    <cs:lnRef idx="0"/>
+    <cs:fillRef idx="0"/>
+    <cs:effectRef idx="0"/>
+    <cs:fontRef idx="minor">
+      <a:schemeClr val="dk1"/>
+    </cs:fontRef>
+    <cs:spPr>
+      <a:solidFill>
+        <a:schemeClr val="lt1"/>
+      </a:solidFill>
+      <a:ln w="9525">
+        <a:solidFill>
+          <a:schemeClr val="tx1">
+            <a:lumMod val="15000"/>
+            <a:lumOff val="85000"/>
+          </a:schemeClr>
+        </a:solidFill>
+      </a:ln>
+    </cs:spPr>
+  </cs:upBar>
+  <cs:valueAxis>
+    <cs:lnRef idx="0"/>
+    <cs:fillRef idx="0"/>
+    <cs:effectRef idx="0"/>
+    <cs:fontRef idx="minor">
+      <a:schemeClr val="tx1">
+        <a:lumMod val="65000"/>
+        <a:lumOff val="35000"/>
+      </a:schemeClr>
+    </cs:fontRef>
+    <cs:defRPr sz="1197" kern="1200"/>
+  </cs:valueAxis>
+  <cs:wall>
+    <cs:lnRef idx="0"/>
+    <cs:fillRef idx="0"/>
+    <cs:effectRef idx="0"/>
+    <cs:fontRef idx="minor">
+      <a:schemeClr val="tx1"/>
+    </cs:fontRef>
+    <cs:spPr>
+      <a:noFill/>
+      <a:ln>
+        <a:noFill/>
+      </a:ln>
+    </cs:spPr>
+  </cs:wall>
+</cs:chartStyle>
 </file>
 
 <file path=ppt/notesMasters/notesMaster1.xml><?xml version="1.0" encoding="utf-8"?>
@@ -3818,6 +8407,152 @@
 </p:sld>
 </file>
 
+<file path=ppt/slides/slide10.xml><?xml version="1.0" encoding="utf-8"?>
+<p:sld xmlns:a="http://schemas.openxmlformats.org/drawingml/2006/main" xmlns:r="http://schemas.openxmlformats.org/officeDocument/2006/relationships" xmlns:p="http://schemas.openxmlformats.org/presentationml/2006/main">
+  <p:cSld>
+    <p:spTree>
+      <p:nvGrpSpPr>
+        <p:cNvPr id="1" name=""/>
+        <p:cNvGrpSpPr/>
+        <p:nvPr/>
+      </p:nvGrpSpPr>
+      <p:grpSpPr>
+        <a:xfrm>
+          <a:off x="0" y="0"/>
+          <a:ext cx="0" cy="0"/>
+          <a:chOff x="0" y="0"/>
+          <a:chExt cx="0" cy="0"/>
+        </a:xfrm>
+      </p:grpSpPr>
+      <p:sp>
+        <p:nvSpPr>
+          <p:cNvPr id="2" name="Titel 1"/>
+          <p:cNvSpPr>
+            <a:spLocks noGrp="1"/>
+          </p:cNvSpPr>
+          <p:nvPr>
+            <p:ph type="title"/>
+          </p:nvPr>
+        </p:nvSpPr>
+        <p:spPr/>
+        <p:txBody>
+          <a:bodyPr/>
+          <a:lstStyle/>
+          <a:p>
+            <a:r>
+              <a:rPr lang="de-DE" dirty="0"/>
+              <a:t>Bewertung</a:t>
+            </a:r>
+          </a:p>
+        </p:txBody>
+      </p:sp>
+      <p:graphicFrame>
+        <p:nvGraphicFramePr>
+          <p:cNvPr id="25" name="Inhaltsplatzhalter 24"/>
+          <p:cNvGraphicFramePr>
+            <a:graphicFrameLocks noGrp="1"/>
+          </p:cNvGraphicFramePr>
+          <p:nvPr>
+            <p:ph idx="1"/>
+            <p:extLst/>
+          </p:nvPr>
+        </p:nvGraphicFramePr>
+        <p:xfrm>
+          <a:off x="838200" y="1825625"/>
+          <a:ext cx="10515600" cy="4351338"/>
+        </p:xfrm>
+        <a:graphic>
+          <a:graphicData uri="http://schemas.openxmlformats.org/drawingml/2006/chart">
+            <c:chart xmlns:c="http://schemas.openxmlformats.org/drawingml/2006/chart" xmlns:r="http://schemas.openxmlformats.org/officeDocument/2006/relationships" r:id="rId2"/>
+          </a:graphicData>
+        </a:graphic>
+      </p:graphicFrame>
+    </p:spTree>
+    <p:extLst>
+      <p:ext uri="{BB962C8B-B14F-4D97-AF65-F5344CB8AC3E}">
+        <p14:creationId xmlns:p14="http://schemas.microsoft.com/office/powerpoint/2010/main" val="1081618051"/>
+      </p:ext>
+    </p:extLst>
+  </p:cSld>
+  <p:clrMapOvr>
+    <a:masterClrMapping/>
+  </p:clrMapOvr>
+</p:sld>
+</file>
+
+<file path=ppt/slides/slide11.xml><?xml version="1.0" encoding="utf-8"?>
+<p:sld xmlns:a="http://schemas.openxmlformats.org/drawingml/2006/main" xmlns:r="http://schemas.openxmlformats.org/officeDocument/2006/relationships" xmlns:p="http://schemas.openxmlformats.org/presentationml/2006/main">
+  <p:cSld>
+    <p:spTree>
+      <p:nvGrpSpPr>
+        <p:cNvPr id="1" name=""/>
+        <p:cNvGrpSpPr/>
+        <p:nvPr/>
+      </p:nvGrpSpPr>
+      <p:grpSpPr>
+        <a:xfrm>
+          <a:off x="0" y="0"/>
+          <a:ext cx="0" cy="0"/>
+          <a:chOff x="0" y="0"/>
+          <a:chExt cx="0" cy="0"/>
+        </a:xfrm>
+      </p:grpSpPr>
+      <p:sp>
+        <p:nvSpPr>
+          <p:cNvPr id="2" name="Titel 1"/>
+          <p:cNvSpPr>
+            <a:spLocks noGrp="1"/>
+          </p:cNvSpPr>
+          <p:nvPr>
+            <p:ph type="title"/>
+          </p:nvPr>
+        </p:nvSpPr>
+        <p:spPr/>
+        <p:txBody>
+          <a:bodyPr/>
+          <a:lstStyle/>
+          <a:p>
+            <a:r>
+              <a:rPr lang="de-DE" dirty="0"/>
+              <a:t>Gesamtbewertung</a:t>
+            </a:r>
+          </a:p>
+        </p:txBody>
+      </p:sp>
+      <p:graphicFrame>
+        <p:nvGraphicFramePr>
+          <p:cNvPr id="9" name="Inhaltsplatzhalter 8"/>
+          <p:cNvGraphicFramePr>
+            <a:graphicFrameLocks noGrp="1"/>
+          </p:cNvGraphicFramePr>
+          <p:nvPr>
+            <p:ph idx="1"/>
+            <p:extLst/>
+          </p:nvPr>
+        </p:nvGraphicFramePr>
+        <p:xfrm>
+          <a:off x="838200" y="1825625"/>
+          <a:ext cx="10515600" cy="4351338"/>
+        </p:xfrm>
+        <a:graphic>
+          <a:graphicData uri="http://schemas.openxmlformats.org/drawingml/2006/chart">
+            <c:chart xmlns:c="http://schemas.openxmlformats.org/drawingml/2006/chart" xmlns:r="http://schemas.openxmlformats.org/officeDocument/2006/relationships" r:id="rId2"/>
+          </a:graphicData>
+        </a:graphic>
+      </p:graphicFrame>
+    </p:spTree>
+    <p:extLst>
+      <p:ext uri="{BB962C8B-B14F-4D97-AF65-F5344CB8AC3E}">
+        <p14:creationId xmlns:p14="http://schemas.microsoft.com/office/powerpoint/2010/main" val="3320972983"/>
+      </p:ext>
+    </p:extLst>
+  </p:cSld>
+  <p:clrMapOvr>
+    <a:masterClrMapping/>
+  </p:clrMapOvr>
+</p:sld>
+</file>
+
 <file path=ppt/slides/slide2.xml><?xml version="1.0" encoding="utf-8"?>
 <p:sld xmlns:a="http://schemas.openxmlformats.org/drawingml/2006/main" xmlns:r="http://schemas.openxmlformats.org/officeDocument/2006/relationships" xmlns:p="http://schemas.openxmlformats.org/presentationml/2006/main">
   <p:cSld>
@@ -4868,6 +9603,152 @@
     <p:extLst>
       <p:ext uri="{BB962C8B-B14F-4D97-AF65-F5344CB8AC3E}">
         <p14:creationId xmlns:p14="http://schemas.microsoft.com/office/powerpoint/2010/main" val="862362497"/>
+      </p:ext>
+    </p:extLst>
+  </p:cSld>
+  <p:clrMapOvr>
+    <a:masterClrMapping/>
+  </p:clrMapOvr>
+</p:sld>
+</file>
+
+<file path=ppt/slides/slide8.xml><?xml version="1.0" encoding="utf-8"?>
+<p:sld xmlns:a="http://schemas.openxmlformats.org/drawingml/2006/main" xmlns:r="http://schemas.openxmlformats.org/officeDocument/2006/relationships" xmlns:p="http://schemas.openxmlformats.org/presentationml/2006/main">
+  <p:cSld>
+    <p:spTree>
+      <p:nvGrpSpPr>
+        <p:cNvPr id="1" name=""/>
+        <p:cNvGrpSpPr/>
+        <p:nvPr/>
+      </p:nvGrpSpPr>
+      <p:grpSpPr>
+        <a:xfrm>
+          <a:off x="0" y="0"/>
+          <a:ext cx="0" cy="0"/>
+          <a:chOff x="0" y="0"/>
+          <a:chExt cx="0" cy="0"/>
+        </a:xfrm>
+      </p:grpSpPr>
+      <p:sp>
+        <p:nvSpPr>
+          <p:cNvPr id="2" name="Titel 1"/>
+          <p:cNvSpPr>
+            <a:spLocks noGrp="1"/>
+          </p:cNvSpPr>
+          <p:nvPr>
+            <p:ph type="title"/>
+          </p:nvPr>
+        </p:nvSpPr>
+        <p:spPr/>
+        <p:txBody>
+          <a:bodyPr/>
+          <a:lstStyle/>
+          <a:p>
+            <a:r>
+              <a:rPr lang="de-DE" dirty="0"/>
+              <a:t>Bewertung</a:t>
+            </a:r>
+          </a:p>
+        </p:txBody>
+      </p:sp>
+      <p:graphicFrame>
+        <p:nvGraphicFramePr>
+          <p:cNvPr id="25" name="Inhaltsplatzhalter 24"/>
+          <p:cNvGraphicFramePr>
+            <a:graphicFrameLocks noGrp="1"/>
+          </p:cNvGraphicFramePr>
+          <p:nvPr>
+            <p:ph idx="1"/>
+            <p:extLst/>
+          </p:nvPr>
+        </p:nvGraphicFramePr>
+        <p:xfrm>
+          <a:off x="838200" y="1825625"/>
+          <a:ext cx="10515600" cy="4351338"/>
+        </p:xfrm>
+        <a:graphic>
+          <a:graphicData uri="http://schemas.openxmlformats.org/drawingml/2006/chart">
+            <c:chart xmlns:c="http://schemas.openxmlformats.org/drawingml/2006/chart" xmlns:r="http://schemas.openxmlformats.org/officeDocument/2006/relationships" r:id="rId2"/>
+          </a:graphicData>
+        </a:graphic>
+      </p:graphicFrame>
+    </p:spTree>
+    <p:extLst>
+      <p:ext uri="{BB962C8B-B14F-4D97-AF65-F5344CB8AC3E}">
+        <p14:creationId xmlns:p14="http://schemas.microsoft.com/office/powerpoint/2010/main" val="3692589864"/>
+      </p:ext>
+    </p:extLst>
+  </p:cSld>
+  <p:clrMapOvr>
+    <a:masterClrMapping/>
+  </p:clrMapOvr>
+</p:sld>
+</file>
+
+<file path=ppt/slides/slide9.xml><?xml version="1.0" encoding="utf-8"?>
+<p:sld xmlns:a="http://schemas.openxmlformats.org/drawingml/2006/main" xmlns:r="http://schemas.openxmlformats.org/officeDocument/2006/relationships" xmlns:p="http://schemas.openxmlformats.org/presentationml/2006/main">
+  <p:cSld>
+    <p:spTree>
+      <p:nvGrpSpPr>
+        <p:cNvPr id="1" name=""/>
+        <p:cNvGrpSpPr/>
+        <p:nvPr/>
+      </p:nvGrpSpPr>
+      <p:grpSpPr>
+        <a:xfrm>
+          <a:off x="0" y="0"/>
+          <a:ext cx="0" cy="0"/>
+          <a:chOff x="0" y="0"/>
+          <a:chExt cx="0" cy="0"/>
+        </a:xfrm>
+      </p:grpSpPr>
+      <p:sp>
+        <p:nvSpPr>
+          <p:cNvPr id="2" name="Titel 1"/>
+          <p:cNvSpPr>
+            <a:spLocks noGrp="1"/>
+          </p:cNvSpPr>
+          <p:nvPr>
+            <p:ph type="title"/>
+          </p:nvPr>
+        </p:nvSpPr>
+        <p:spPr/>
+        <p:txBody>
+          <a:bodyPr/>
+          <a:lstStyle/>
+          <a:p>
+            <a:r>
+              <a:rPr lang="de-DE" dirty="0"/>
+              <a:t>Bewertung</a:t>
+            </a:r>
+          </a:p>
+        </p:txBody>
+      </p:sp>
+      <p:graphicFrame>
+        <p:nvGraphicFramePr>
+          <p:cNvPr id="25" name="Inhaltsplatzhalter 24"/>
+          <p:cNvGraphicFramePr>
+            <a:graphicFrameLocks noGrp="1"/>
+          </p:cNvGraphicFramePr>
+          <p:nvPr>
+            <p:ph idx="1"/>
+            <p:extLst/>
+          </p:nvPr>
+        </p:nvGraphicFramePr>
+        <p:xfrm>
+          <a:off x="838200" y="1825625"/>
+          <a:ext cx="10515600" cy="4351338"/>
+        </p:xfrm>
+        <a:graphic>
+          <a:graphicData uri="http://schemas.openxmlformats.org/drawingml/2006/chart">
+            <c:chart xmlns:c="http://schemas.openxmlformats.org/drawingml/2006/chart" xmlns:r="http://schemas.openxmlformats.org/officeDocument/2006/relationships" r:id="rId2"/>
+          </a:graphicData>
+        </a:graphic>
+      </p:graphicFrame>
+    </p:spTree>
+    <p:extLst>
+      <p:ext uri="{BB962C8B-B14F-4D97-AF65-F5344CB8AC3E}">
+        <p14:creationId xmlns:p14="http://schemas.microsoft.com/office/powerpoint/2010/main" val="1127682196"/>
       </p:ext>
     </p:extLst>
   </p:cSld>
